--- a/파워포인트.pptx
+++ b/파워포인트.pptx
@@ -4,6 +4,50 @@
   <p:sldMasterIdLst>
     <p:sldMasterId id="2147483648" r:id="rId1"/>
   </p:sldMasterIdLst>
+  <p:sldIdLst>
+    <p:sldId id="256" r:id="rId2"/>
+    <p:sldId id="257" r:id="rId3"/>
+    <p:sldId id="258" r:id="rId4"/>
+    <p:sldId id="259" r:id="rId5"/>
+    <p:sldId id="260" r:id="rId6"/>
+    <p:sldId id="261" r:id="rId7"/>
+    <p:sldId id="262" r:id="rId8"/>
+    <p:sldId id="263" r:id="rId9"/>
+    <p:sldId id="264" r:id="rId10"/>
+    <p:sldId id="265" r:id="rId11"/>
+    <p:sldId id="266" r:id="rId12"/>
+    <p:sldId id="267" r:id="rId13"/>
+    <p:sldId id="268" r:id="rId14"/>
+    <p:sldId id="269" r:id="rId15"/>
+    <p:sldId id="270" r:id="rId16"/>
+    <p:sldId id="271" r:id="rId17"/>
+    <p:sldId id="272" r:id="rId18"/>
+    <p:sldId id="273" r:id="rId19"/>
+    <p:sldId id="274" r:id="rId20"/>
+    <p:sldId id="275" r:id="rId21"/>
+    <p:sldId id="276" r:id="rId22"/>
+    <p:sldId id="277" r:id="rId23"/>
+    <p:sldId id="278" r:id="rId24"/>
+    <p:sldId id="279" r:id="rId25"/>
+    <p:sldId id="280" r:id="rId26"/>
+    <p:sldId id="281" r:id="rId27"/>
+    <p:sldId id="282" r:id="rId28"/>
+    <p:sldId id="283" r:id="rId29"/>
+    <p:sldId id="284" r:id="rId30"/>
+    <p:sldId id="285" r:id="rId31"/>
+    <p:sldId id="286" r:id="rId32"/>
+    <p:sldId id="287" r:id="rId33"/>
+    <p:sldId id="288" r:id="rId34"/>
+    <p:sldId id="289" r:id="rId35"/>
+    <p:sldId id="290" r:id="rId36"/>
+    <p:sldId id="291" r:id="rId37"/>
+    <p:sldId id="292" r:id="rId38"/>
+    <p:sldId id="293" r:id="rId39"/>
+    <p:sldId id="294" r:id="rId40"/>
+    <p:sldId id="295" r:id="rId41"/>
+    <p:sldId id="296" r:id="rId42"/>
+    <p:sldId id="297" r:id="rId43"/>
+  </p:sldIdLst>
   <p:sldSz cx="9144000" cy="6858000" type="screen4x3"/>
   <p:notesSz cx="6858000" cy="9144000"/>
   <p:defaultTextStyle>
@@ -285,7 +329,7 @@
           <a:p>
             <a:fld id="{FB30EDBD-1C2D-4C1E-B459-B60219FAB484}" type="datetimeFigureOut">
               <a:rPr lang="ko-KR" altLang="en-US" smtClean="0"/>
-              <a:t>2006-10-04</a:t>
+              <a:t>2020-12-29</a:t>
             </a:fld>
             <a:endParaRPr lang="ko-KR" altLang="en-US"/>
           </a:p>
@@ -450,7 +494,7 @@
           <a:p>
             <a:fld id="{FB30EDBD-1C2D-4C1E-B459-B60219FAB484}" type="datetimeFigureOut">
               <a:rPr lang="ko-KR" altLang="en-US" smtClean="0"/>
-              <a:t>2006-10-04</a:t>
+              <a:t>2020-12-29</a:t>
             </a:fld>
             <a:endParaRPr lang="ko-KR" altLang="en-US"/>
           </a:p>
@@ -625,7 +669,7 @@
           <a:p>
             <a:fld id="{FB30EDBD-1C2D-4C1E-B459-B60219FAB484}" type="datetimeFigureOut">
               <a:rPr lang="ko-KR" altLang="en-US" smtClean="0"/>
-              <a:t>2006-10-04</a:t>
+              <a:t>2020-12-29</a:t>
             </a:fld>
             <a:endParaRPr lang="ko-KR" altLang="en-US"/>
           </a:p>
@@ -790,7 +834,7 @@
           <a:p>
             <a:fld id="{FB30EDBD-1C2D-4C1E-B459-B60219FAB484}" type="datetimeFigureOut">
               <a:rPr lang="ko-KR" altLang="en-US" smtClean="0"/>
-              <a:t>2006-10-04</a:t>
+              <a:t>2020-12-29</a:t>
             </a:fld>
             <a:endParaRPr lang="ko-KR" altLang="en-US"/>
           </a:p>
@@ -1031,7 +1075,7 @@
           <a:p>
             <a:fld id="{FB30EDBD-1C2D-4C1E-B459-B60219FAB484}" type="datetimeFigureOut">
               <a:rPr lang="ko-KR" altLang="en-US" smtClean="0"/>
-              <a:t>2006-10-04</a:t>
+              <a:t>2020-12-29</a:t>
             </a:fld>
             <a:endParaRPr lang="ko-KR" altLang="en-US"/>
           </a:p>
@@ -1314,7 +1358,7 @@
           <a:p>
             <a:fld id="{FB30EDBD-1C2D-4C1E-B459-B60219FAB484}" type="datetimeFigureOut">
               <a:rPr lang="ko-KR" altLang="en-US" smtClean="0"/>
-              <a:t>2006-10-04</a:t>
+              <a:t>2020-12-29</a:t>
             </a:fld>
             <a:endParaRPr lang="ko-KR" altLang="en-US"/>
           </a:p>
@@ -1731,7 +1775,7 @@
           <a:p>
             <a:fld id="{FB30EDBD-1C2D-4C1E-B459-B60219FAB484}" type="datetimeFigureOut">
               <a:rPr lang="ko-KR" altLang="en-US" smtClean="0"/>
-              <a:t>2006-10-04</a:t>
+              <a:t>2020-12-29</a:t>
             </a:fld>
             <a:endParaRPr lang="ko-KR" altLang="en-US"/>
           </a:p>
@@ -1844,7 +1888,7 @@
           <a:p>
             <a:fld id="{FB30EDBD-1C2D-4C1E-B459-B60219FAB484}" type="datetimeFigureOut">
               <a:rPr lang="ko-KR" altLang="en-US" smtClean="0"/>
-              <a:t>2006-10-04</a:t>
+              <a:t>2020-12-29</a:t>
             </a:fld>
             <a:endParaRPr lang="ko-KR" altLang="en-US"/>
           </a:p>
@@ -1934,7 +1978,7 @@
           <a:p>
             <a:fld id="{FB30EDBD-1C2D-4C1E-B459-B60219FAB484}" type="datetimeFigureOut">
               <a:rPr lang="ko-KR" altLang="en-US" smtClean="0"/>
-              <a:t>2006-10-04</a:t>
+              <a:t>2020-12-29</a:t>
             </a:fld>
             <a:endParaRPr lang="ko-KR" altLang="en-US"/>
           </a:p>
@@ -2206,7 +2250,7 @@
           <a:p>
             <a:fld id="{FB30EDBD-1C2D-4C1E-B459-B60219FAB484}" type="datetimeFigureOut">
               <a:rPr lang="ko-KR" altLang="en-US" smtClean="0"/>
-              <a:t>2006-10-04</a:t>
+              <a:t>2020-12-29</a:t>
             </a:fld>
             <a:endParaRPr lang="ko-KR" altLang="en-US"/>
           </a:p>
@@ -2454,7 +2498,7 @@
           <a:p>
             <a:fld id="{FB30EDBD-1C2D-4C1E-B459-B60219FAB484}" type="datetimeFigureOut">
               <a:rPr lang="ko-KR" altLang="en-US" smtClean="0"/>
-              <a:t>2006-10-04</a:t>
+              <a:t>2020-12-29</a:t>
             </a:fld>
             <a:endParaRPr lang="ko-KR" altLang="en-US"/>
           </a:p>
@@ -2662,7 +2706,7 @@
           <a:p>
             <a:fld id="{FB30EDBD-1C2D-4C1E-B459-B60219FAB484}" type="datetimeFigureOut">
               <a:rPr lang="ko-KR" altLang="en-US" smtClean="0"/>
-              <a:t>2006-10-04</a:t>
+              <a:t>2020-12-29</a:t>
             </a:fld>
             <a:endParaRPr lang="ko-KR" altLang="en-US"/>
           </a:p>
@@ -3013,6 +3057,3660 @@
     </p:otherStyle>
   </p:txStyles>
 </p:sldMaster>
+</file>
+
+<file path=ppt/slides/slide1.xml><?xml version="1.0" encoding="utf-8"?>
+<p:sld xmlns:a="http://schemas.openxmlformats.org/drawingml/2006/main" xmlns:r="http://schemas.openxmlformats.org/officeDocument/2006/relationships" xmlns:p="http://schemas.openxmlformats.org/presentationml/2006/main">
+  <p:cSld>
+    <p:spTree>
+      <p:nvGrpSpPr>
+        <p:cNvPr id="1" name=""/>
+        <p:cNvGrpSpPr/>
+        <p:nvPr/>
+      </p:nvGrpSpPr>
+      <p:grpSpPr>
+        <a:xfrm>
+          <a:off x="0" y="0"/>
+          <a:ext cx="0" cy="0"/>
+          <a:chOff x="0" y="0"/>
+          <a:chExt cx="0" cy="0"/>
+        </a:xfrm>
+      </p:grpSpPr>
+      <p:sp>
+        <p:nvSpPr>
+          <p:cNvPr id="2" name="제목 1"/>
+          <p:cNvSpPr>
+            <a:spLocks noGrp="1"/>
+          </p:cNvSpPr>
+          <p:nvPr>
+            <p:ph type="ctrTitle"/>
+          </p:nvPr>
+        </p:nvSpPr>
+        <p:spPr/>
+        <p:txBody>
+          <a:bodyPr/>
+          <a:lstStyle/>
+          <a:p>
+            <a:r>
+              <a:rPr lang="ko-KR" altLang="en-US" dirty="0" smtClean="0"/>
+              <a:t>파워포인트제목</a:t>
+            </a:r>
+            <a:r>
+              <a:rPr lang="en-US" altLang="ko-KR" dirty="0" smtClean="0"/>
+              <a:t>	</a:t>
+            </a:r>
+            <a:endParaRPr lang="ko-KR" altLang="en-US" dirty="0"/>
+          </a:p>
+        </p:txBody>
+      </p:sp>
+      <p:sp>
+        <p:nvSpPr>
+          <p:cNvPr id="3" name="부제목 2"/>
+          <p:cNvSpPr>
+            <a:spLocks noGrp="1"/>
+          </p:cNvSpPr>
+          <p:nvPr>
+            <p:ph type="subTitle" idx="1"/>
+          </p:nvPr>
+        </p:nvSpPr>
+        <p:spPr/>
+        <p:txBody>
+          <a:bodyPr/>
+          <a:lstStyle/>
+          <a:p>
+            <a:r>
+              <a:rPr lang="en-US" altLang="ko-KR" dirty="0" smtClean="0"/>
+              <a:t>12/29 </a:t>
+            </a:r>
+            <a:r>
+              <a:rPr lang="ko-KR" altLang="en-US" dirty="0" smtClean="0"/>
+              <a:t>아무</a:t>
+            </a:r>
+            <a:r>
+              <a:rPr lang="ko-KR" altLang="en-US" dirty="0"/>
+              <a:t>개</a:t>
+            </a:r>
+          </a:p>
+        </p:txBody>
+      </p:sp>
+    </p:spTree>
+    <p:extLst>
+      <p:ext uri="{BB962C8B-B14F-4D97-AF65-F5344CB8AC3E}">
+        <p14:creationId xmlns:p14="http://schemas.microsoft.com/office/powerpoint/2010/main" val="1257191122"/>
+      </p:ext>
+    </p:extLst>
+  </p:cSld>
+  <p:clrMapOvr>
+    <a:masterClrMapping/>
+  </p:clrMapOvr>
+</p:sld>
+</file>
+
+<file path=ppt/slides/slide10.xml><?xml version="1.0" encoding="utf-8"?>
+<p:sld xmlns:a="http://schemas.openxmlformats.org/drawingml/2006/main" xmlns:r="http://schemas.openxmlformats.org/officeDocument/2006/relationships" xmlns:p="http://schemas.openxmlformats.org/presentationml/2006/main">
+  <p:cSld>
+    <p:spTree>
+      <p:nvGrpSpPr>
+        <p:cNvPr id="1" name=""/>
+        <p:cNvGrpSpPr/>
+        <p:nvPr/>
+      </p:nvGrpSpPr>
+      <p:grpSpPr>
+        <a:xfrm>
+          <a:off x="0" y="0"/>
+          <a:ext cx="0" cy="0"/>
+          <a:chOff x="0" y="0"/>
+          <a:chExt cx="0" cy="0"/>
+        </a:xfrm>
+      </p:grpSpPr>
+      <p:sp>
+        <p:nvSpPr>
+          <p:cNvPr id="2" name="제목 1"/>
+          <p:cNvSpPr>
+            <a:spLocks noGrp="1"/>
+          </p:cNvSpPr>
+          <p:nvPr>
+            <p:ph type="ctrTitle"/>
+          </p:nvPr>
+        </p:nvSpPr>
+        <p:spPr/>
+        <p:txBody>
+          <a:bodyPr/>
+          <a:lstStyle/>
+          <a:p>
+            <a:r>
+              <a:rPr lang="ko-KR" altLang="en-US" dirty="0" smtClean="0"/>
+              <a:t>파워포인트제목</a:t>
+            </a:r>
+            <a:r>
+              <a:rPr lang="en-US" altLang="ko-KR" dirty="0" smtClean="0"/>
+              <a:t>	</a:t>
+            </a:r>
+            <a:endParaRPr lang="ko-KR" altLang="en-US" dirty="0"/>
+          </a:p>
+        </p:txBody>
+      </p:sp>
+      <p:sp>
+        <p:nvSpPr>
+          <p:cNvPr id="3" name="부제목 2"/>
+          <p:cNvSpPr>
+            <a:spLocks noGrp="1"/>
+          </p:cNvSpPr>
+          <p:nvPr>
+            <p:ph type="subTitle" idx="1"/>
+          </p:nvPr>
+        </p:nvSpPr>
+        <p:spPr/>
+        <p:txBody>
+          <a:bodyPr/>
+          <a:lstStyle/>
+          <a:p>
+            <a:r>
+              <a:rPr lang="en-US" altLang="ko-KR" dirty="0" smtClean="0"/>
+              <a:t>12/29 </a:t>
+            </a:r>
+            <a:r>
+              <a:rPr lang="ko-KR" altLang="en-US" dirty="0" smtClean="0"/>
+              <a:t>아무</a:t>
+            </a:r>
+            <a:r>
+              <a:rPr lang="ko-KR" altLang="en-US" dirty="0"/>
+              <a:t>개</a:t>
+            </a:r>
+          </a:p>
+        </p:txBody>
+      </p:sp>
+    </p:spTree>
+    <p:extLst>
+      <p:ext uri="{BB962C8B-B14F-4D97-AF65-F5344CB8AC3E}">
+        <p14:creationId xmlns:p14="http://schemas.microsoft.com/office/powerpoint/2010/main" val="2988830521"/>
+      </p:ext>
+    </p:extLst>
+  </p:cSld>
+  <p:clrMapOvr>
+    <a:masterClrMapping/>
+  </p:clrMapOvr>
+</p:sld>
+</file>
+
+<file path=ppt/slides/slide11.xml><?xml version="1.0" encoding="utf-8"?>
+<p:sld xmlns:a="http://schemas.openxmlformats.org/drawingml/2006/main" xmlns:r="http://schemas.openxmlformats.org/officeDocument/2006/relationships" xmlns:p="http://schemas.openxmlformats.org/presentationml/2006/main">
+  <p:cSld>
+    <p:spTree>
+      <p:nvGrpSpPr>
+        <p:cNvPr id="1" name=""/>
+        <p:cNvGrpSpPr/>
+        <p:nvPr/>
+      </p:nvGrpSpPr>
+      <p:grpSpPr>
+        <a:xfrm>
+          <a:off x="0" y="0"/>
+          <a:ext cx="0" cy="0"/>
+          <a:chOff x="0" y="0"/>
+          <a:chExt cx="0" cy="0"/>
+        </a:xfrm>
+      </p:grpSpPr>
+      <p:sp>
+        <p:nvSpPr>
+          <p:cNvPr id="2" name="제목 1"/>
+          <p:cNvSpPr>
+            <a:spLocks noGrp="1"/>
+          </p:cNvSpPr>
+          <p:nvPr>
+            <p:ph type="ctrTitle"/>
+          </p:nvPr>
+        </p:nvSpPr>
+        <p:spPr/>
+        <p:txBody>
+          <a:bodyPr/>
+          <a:lstStyle/>
+          <a:p>
+            <a:r>
+              <a:rPr lang="ko-KR" altLang="en-US" dirty="0" smtClean="0"/>
+              <a:t>파워포인트제목</a:t>
+            </a:r>
+            <a:r>
+              <a:rPr lang="en-US" altLang="ko-KR" dirty="0" smtClean="0"/>
+              <a:t>	</a:t>
+            </a:r>
+            <a:endParaRPr lang="ko-KR" altLang="en-US" dirty="0"/>
+          </a:p>
+        </p:txBody>
+      </p:sp>
+      <p:sp>
+        <p:nvSpPr>
+          <p:cNvPr id="3" name="부제목 2"/>
+          <p:cNvSpPr>
+            <a:spLocks noGrp="1"/>
+          </p:cNvSpPr>
+          <p:nvPr>
+            <p:ph type="subTitle" idx="1"/>
+          </p:nvPr>
+        </p:nvSpPr>
+        <p:spPr/>
+        <p:txBody>
+          <a:bodyPr/>
+          <a:lstStyle/>
+          <a:p>
+            <a:r>
+              <a:rPr lang="en-US" altLang="ko-KR" dirty="0" smtClean="0"/>
+              <a:t>12/29 </a:t>
+            </a:r>
+            <a:r>
+              <a:rPr lang="ko-KR" altLang="en-US" dirty="0" smtClean="0"/>
+              <a:t>아무</a:t>
+            </a:r>
+            <a:r>
+              <a:rPr lang="ko-KR" altLang="en-US" dirty="0"/>
+              <a:t>개</a:t>
+            </a:r>
+          </a:p>
+        </p:txBody>
+      </p:sp>
+    </p:spTree>
+    <p:extLst>
+      <p:ext uri="{BB962C8B-B14F-4D97-AF65-F5344CB8AC3E}">
+        <p14:creationId xmlns:p14="http://schemas.microsoft.com/office/powerpoint/2010/main" val="2988830521"/>
+      </p:ext>
+    </p:extLst>
+  </p:cSld>
+  <p:clrMapOvr>
+    <a:masterClrMapping/>
+  </p:clrMapOvr>
+</p:sld>
+</file>
+
+<file path=ppt/slides/slide12.xml><?xml version="1.0" encoding="utf-8"?>
+<p:sld xmlns:a="http://schemas.openxmlformats.org/drawingml/2006/main" xmlns:r="http://schemas.openxmlformats.org/officeDocument/2006/relationships" xmlns:p="http://schemas.openxmlformats.org/presentationml/2006/main">
+  <p:cSld>
+    <p:spTree>
+      <p:nvGrpSpPr>
+        <p:cNvPr id="1" name=""/>
+        <p:cNvGrpSpPr/>
+        <p:nvPr/>
+      </p:nvGrpSpPr>
+      <p:grpSpPr>
+        <a:xfrm>
+          <a:off x="0" y="0"/>
+          <a:ext cx="0" cy="0"/>
+          <a:chOff x="0" y="0"/>
+          <a:chExt cx="0" cy="0"/>
+        </a:xfrm>
+      </p:grpSpPr>
+      <p:sp>
+        <p:nvSpPr>
+          <p:cNvPr id="2" name="제목 1"/>
+          <p:cNvSpPr>
+            <a:spLocks noGrp="1"/>
+          </p:cNvSpPr>
+          <p:nvPr>
+            <p:ph type="ctrTitle"/>
+          </p:nvPr>
+        </p:nvSpPr>
+        <p:spPr/>
+        <p:txBody>
+          <a:bodyPr/>
+          <a:lstStyle/>
+          <a:p>
+            <a:r>
+              <a:rPr lang="ko-KR" altLang="en-US" dirty="0" smtClean="0"/>
+              <a:t>파워포인트제목</a:t>
+            </a:r>
+            <a:r>
+              <a:rPr lang="en-US" altLang="ko-KR" dirty="0" smtClean="0"/>
+              <a:t>	</a:t>
+            </a:r>
+            <a:endParaRPr lang="ko-KR" altLang="en-US" dirty="0"/>
+          </a:p>
+        </p:txBody>
+      </p:sp>
+      <p:sp>
+        <p:nvSpPr>
+          <p:cNvPr id="3" name="부제목 2"/>
+          <p:cNvSpPr>
+            <a:spLocks noGrp="1"/>
+          </p:cNvSpPr>
+          <p:nvPr>
+            <p:ph type="subTitle" idx="1"/>
+          </p:nvPr>
+        </p:nvSpPr>
+        <p:spPr/>
+        <p:txBody>
+          <a:bodyPr/>
+          <a:lstStyle/>
+          <a:p>
+            <a:r>
+              <a:rPr lang="en-US" altLang="ko-KR" dirty="0" smtClean="0"/>
+              <a:t>12/29 </a:t>
+            </a:r>
+            <a:r>
+              <a:rPr lang="ko-KR" altLang="en-US" dirty="0" smtClean="0"/>
+              <a:t>아무</a:t>
+            </a:r>
+            <a:r>
+              <a:rPr lang="ko-KR" altLang="en-US" dirty="0"/>
+              <a:t>개</a:t>
+            </a:r>
+          </a:p>
+        </p:txBody>
+      </p:sp>
+    </p:spTree>
+    <p:extLst>
+      <p:ext uri="{BB962C8B-B14F-4D97-AF65-F5344CB8AC3E}">
+        <p14:creationId xmlns:p14="http://schemas.microsoft.com/office/powerpoint/2010/main" val="2988830521"/>
+      </p:ext>
+    </p:extLst>
+  </p:cSld>
+  <p:clrMapOvr>
+    <a:masterClrMapping/>
+  </p:clrMapOvr>
+</p:sld>
+</file>
+
+<file path=ppt/slides/slide13.xml><?xml version="1.0" encoding="utf-8"?>
+<p:sld xmlns:a="http://schemas.openxmlformats.org/drawingml/2006/main" xmlns:r="http://schemas.openxmlformats.org/officeDocument/2006/relationships" xmlns:p="http://schemas.openxmlformats.org/presentationml/2006/main">
+  <p:cSld>
+    <p:spTree>
+      <p:nvGrpSpPr>
+        <p:cNvPr id="1" name=""/>
+        <p:cNvGrpSpPr/>
+        <p:nvPr/>
+      </p:nvGrpSpPr>
+      <p:grpSpPr>
+        <a:xfrm>
+          <a:off x="0" y="0"/>
+          <a:ext cx="0" cy="0"/>
+          <a:chOff x="0" y="0"/>
+          <a:chExt cx="0" cy="0"/>
+        </a:xfrm>
+      </p:grpSpPr>
+      <p:sp>
+        <p:nvSpPr>
+          <p:cNvPr id="2" name="제목 1"/>
+          <p:cNvSpPr>
+            <a:spLocks noGrp="1"/>
+          </p:cNvSpPr>
+          <p:nvPr>
+            <p:ph type="ctrTitle"/>
+          </p:nvPr>
+        </p:nvSpPr>
+        <p:spPr/>
+        <p:txBody>
+          <a:bodyPr/>
+          <a:lstStyle/>
+          <a:p>
+            <a:r>
+              <a:rPr lang="ko-KR" altLang="en-US" dirty="0" smtClean="0"/>
+              <a:t>파워포인트제목</a:t>
+            </a:r>
+            <a:r>
+              <a:rPr lang="en-US" altLang="ko-KR" dirty="0" smtClean="0"/>
+              <a:t>	</a:t>
+            </a:r>
+            <a:endParaRPr lang="ko-KR" altLang="en-US" dirty="0"/>
+          </a:p>
+        </p:txBody>
+      </p:sp>
+      <p:sp>
+        <p:nvSpPr>
+          <p:cNvPr id="3" name="부제목 2"/>
+          <p:cNvSpPr>
+            <a:spLocks noGrp="1"/>
+          </p:cNvSpPr>
+          <p:nvPr>
+            <p:ph type="subTitle" idx="1"/>
+          </p:nvPr>
+        </p:nvSpPr>
+        <p:spPr/>
+        <p:txBody>
+          <a:bodyPr/>
+          <a:lstStyle/>
+          <a:p>
+            <a:r>
+              <a:rPr lang="en-US" altLang="ko-KR" dirty="0" smtClean="0"/>
+              <a:t>12/29 </a:t>
+            </a:r>
+            <a:r>
+              <a:rPr lang="ko-KR" altLang="en-US" dirty="0" smtClean="0"/>
+              <a:t>아무</a:t>
+            </a:r>
+            <a:r>
+              <a:rPr lang="ko-KR" altLang="en-US" dirty="0"/>
+              <a:t>개</a:t>
+            </a:r>
+          </a:p>
+        </p:txBody>
+      </p:sp>
+    </p:spTree>
+    <p:extLst>
+      <p:ext uri="{BB962C8B-B14F-4D97-AF65-F5344CB8AC3E}">
+        <p14:creationId xmlns:p14="http://schemas.microsoft.com/office/powerpoint/2010/main" val="2988830521"/>
+      </p:ext>
+    </p:extLst>
+  </p:cSld>
+  <p:clrMapOvr>
+    <a:masterClrMapping/>
+  </p:clrMapOvr>
+</p:sld>
+</file>
+
+<file path=ppt/slides/slide14.xml><?xml version="1.0" encoding="utf-8"?>
+<p:sld xmlns:a="http://schemas.openxmlformats.org/drawingml/2006/main" xmlns:r="http://schemas.openxmlformats.org/officeDocument/2006/relationships" xmlns:p="http://schemas.openxmlformats.org/presentationml/2006/main">
+  <p:cSld>
+    <p:spTree>
+      <p:nvGrpSpPr>
+        <p:cNvPr id="1" name=""/>
+        <p:cNvGrpSpPr/>
+        <p:nvPr/>
+      </p:nvGrpSpPr>
+      <p:grpSpPr>
+        <a:xfrm>
+          <a:off x="0" y="0"/>
+          <a:ext cx="0" cy="0"/>
+          <a:chOff x="0" y="0"/>
+          <a:chExt cx="0" cy="0"/>
+        </a:xfrm>
+      </p:grpSpPr>
+      <p:sp>
+        <p:nvSpPr>
+          <p:cNvPr id="2" name="제목 1"/>
+          <p:cNvSpPr>
+            <a:spLocks noGrp="1"/>
+          </p:cNvSpPr>
+          <p:nvPr>
+            <p:ph type="ctrTitle"/>
+          </p:nvPr>
+        </p:nvSpPr>
+        <p:spPr/>
+        <p:txBody>
+          <a:bodyPr/>
+          <a:lstStyle/>
+          <a:p>
+            <a:r>
+              <a:rPr lang="ko-KR" altLang="en-US" dirty="0" smtClean="0"/>
+              <a:t>파워포인트제목</a:t>
+            </a:r>
+            <a:r>
+              <a:rPr lang="en-US" altLang="ko-KR" dirty="0" smtClean="0"/>
+              <a:t>	</a:t>
+            </a:r>
+            <a:endParaRPr lang="ko-KR" altLang="en-US" dirty="0"/>
+          </a:p>
+        </p:txBody>
+      </p:sp>
+      <p:sp>
+        <p:nvSpPr>
+          <p:cNvPr id="3" name="부제목 2"/>
+          <p:cNvSpPr>
+            <a:spLocks noGrp="1"/>
+          </p:cNvSpPr>
+          <p:nvPr>
+            <p:ph type="subTitle" idx="1"/>
+          </p:nvPr>
+        </p:nvSpPr>
+        <p:spPr/>
+        <p:txBody>
+          <a:bodyPr/>
+          <a:lstStyle/>
+          <a:p>
+            <a:r>
+              <a:rPr lang="en-US" altLang="ko-KR" dirty="0" smtClean="0"/>
+              <a:t>12/29 </a:t>
+            </a:r>
+            <a:r>
+              <a:rPr lang="ko-KR" altLang="en-US" dirty="0" smtClean="0"/>
+              <a:t>아무</a:t>
+            </a:r>
+            <a:r>
+              <a:rPr lang="ko-KR" altLang="en-US" dirty="0"/>
+              <a:t>개</a:t>
+            </a:r>
+          </a:p>
+        </p:txBody>
+      </p:sp>
+    </p:spTree>
+    <p:extLst>
+      <p:ext uri="{BB962C8B-B14F-4D97-AF65-F5344CB8AC3E}">
+        <p14:creationId xmlns:p14="http://schemas.microsoft.com/office/powerpoint/2010/main" val="2988830521"/>
+      </p:ext>
+    </p:extLst>
+  </p:cSld>
+  <p:clrMapOvr>
+    <a:masterClrMapping/>
+  </p:clrMapOvr>
+</p:sld>
+</file>
+
+<file path=ppt/slides/slide15.xml><?xml version="1.0" encoding="utf-8"?>
+<p:sld xmlns:a="http://schemas.openxmlformats.org/drawingml/2006/main" xmlns:r="http://schemas.openxmlformats.org/officeDocument/2006/relationships" xmlns:p="http://schemas.openxmlformats.org/presentationml/2006/main">
+  <p:cSld>
+    <p:spTree>
+      <p:nvGrpSpPr>
+        <p:cNvPr id="1" name=""/>
+        <p:cNvGrpSpPr/>
+        <p:nvPr/>
+      </p:nvGrpSpPr>
+      <p:grpSpPr>
+        <a:xfrm>
+          <a:off x="0" y="0"/>
+          <a:ext cx="0" cy="0"/>
+          <a:chOff x="0" y="0"/>
+          <a:chExt cx="0" cy="0"/>
+        </a:xfrm>
+      </p:grpSpPr>
+      <p:sp>
+        <p:nvSpPr>
+          <p:cNvPr id="2" name="제목 1"/>
+          <p:cNvSpPr>
+            <a:spLocks noGrp="1"/>
+          </p:cNvSpPr>
+          <p:nvPr>
+            <p:ph type="ctrTitle"/>
+          </p:nvPr>
+        </p:nvSpPr>
+        <p:spPr/>
+        <p:txBody>
+          <a:bodyPr/>
+          <a:lstStyle/>
+          <a:p>
+            <a:r>
+              <a:rPr lang="ko-KR" altLang="en-US" dirty="0" smtClean="0"/>
+              <a:t>파워포인트제목</a:t>
+            </a:r>
+            <a:r>
+              <a:rPr lang="en-US" altLang="ko-KR" dirty="0" smtClean="0"/>
+              <a:t>	</a:t>
+            </a:r>
+            <a:endParaRPr lang="ko-KR" altLang="en-US" dirty="0"/>
+          </a:p>
+        </p:txBody>
+      </p:sp>
+      <p:sp>
+        <p:nvSpPr>
+          <p:cNvPr id="3" name="부제목 2"/>
+          <p:cNvSpPr>
+            <a:spLocks noGrp="1"/>
+          </p:cNvSpPr>
+          <p:nvPr>
+            <p:ph type="subTitle" idx="1"/>
+          </p:nvPr>
+        </p:nvSpPr>
+        <p:spPr/>
+        <p:txBody>
+          <a:bodyPr/>
+          <a:lstStyle/>
+          <a:p>
+            <a:r>
+              <a:rPr lang="en-US" altLang="ko-KR" dirty="0" smtClean="0"/>
+              <a:t>12/29 </a:t>
+            </a:r>
+            <a:r>
+              <a:rPr lang="ko-KR" altLang="en-US" dirty="0" smtClean="0"/>
+              <a:t>아무</a:t>
+            </a:r>
+            <a:r>
+              <a:rPr lang="ko-KR" altLang="en-US" dirty="0"/>
+              <a:t>개</a:t>
+            </a:r>
+          </a:p>
+        </p:txBody>
+      </p:sp>
+    </p:spTree>
+    <p:extLst>
+      <p:ext uri="{BB962C8B-B14F-4D97-AF65-F5344CB8AC3E}">
+        <p14:creationId xmlns:p14="http://schemas.microsoft.com/office/powerpoint/2010/main" val="2988830521"/>
+      </p:ext>
+    </p:extLst>
+  </p:cSld>
+  <p:clrMapOvr>
+    <a:masterClrMapping/>
+  </p:clrMapOvr>
+</p:sld>
+</file>
+
+<file path=ppt/slides/slide16.xml><?xml version="1.0" encoding="utf-8"?>
+<p:sld xmlns:a="http://schemas.openxmlformats.org/drawingml/2006/main" xmlns:r="http://schemas.openxmlformats.org/officeDocument/2006/relationships" xmlns:p="http://schemas.openxmlformats.org/presentationml/2006/main">
+  <p:cSld>
+    <p:spTree>
+      <p:nvGrpSpPr>
+        <p:cNvPr id="1" name=""/>
+        <p:cNvGrpSpPr/>
+        <p:nvPr/>
+      </p:nvGrpSpPr>
+      <p:grpSpPr>
+        <a:xfrm>
+          <a:off x="0" y="0"/>
+          <a:ext cx="0" cy="0"/>
+          <a:chOff x="0" y="0"/>
+          <a:chExt cx="0" cy="0"/>
+        </a:xfrm>
+      </p:grpSpPr>
+      <p:sp>
+        <p:nvSpPr>
+          <p:cNvPr id="2" name="제목 1"/>
+          <p:cNvSpPr>
+            <a:spLocks noGrp="1"/>
+          </p:cNvSpPr>
+          <p:nvPr>
+            <p:ph type="ctrTitle"/>
+          </p:nvPr>
+        </p:nvSpPr>
+        <p:spPr/>
+        <p:txBody>
+          <a:bodyPr/>
+          <a:lstStyle/>
+          <a:p>
+            <a:r>
+              <a:rPr lang="ko-KR" altLang="en-US" dirty="0" smtClean="0"/>
+              <a:t>파워포인트제목</a:t>
+            </a:r>
+            <a:r>
+              <a:rPr lang="en-US" altLang="ko-KR" dirty="0" smtClean="0"/>
+              <a:t>	</a:t>
+            </a:r>
+            <a:endParaRPr lang="ko-KR" altLang="en-US" dirty="0"/>
+          </a:p>
+        </p:txBody>
+      </p:sp>
+      <p:sp>
+        <p:nvSpPr>
+          <p:cNvPr id="3" name="부제목 2"/>
+          <p:cNvSpPr>
+            <a:spLocks noGrp="1"/>
+          </p:cNvSpPr>
+          <p:nvPr>
+            <p:ph type="subTitle" idx="1"/>
+          </p:nvPr>
+        </p:nvSpPr>
+        <p:spPr/>
+        <p:txBody>
+          <a:bodyPr/>
+          <a:lstStyle/>
+          <a:p>
+            <a:r>
+              <a:rPr lang="en-US" altLang="ko-KR" dirty="0" smtClean="0"/>
+              <a:t>12/29 </a:t>
+            </a:r>
+            <a:r>
+              <a:rPr lang="ko-KR" altLang="en-US" dirty="0" smtClean="0"/>
+              <a:t>아무</a:t>
+            </a:r>
+            <a:r>
+              <a:rPr lang="ko-KR" altLang="en-US" dirty="0"/>
+              <a:t>개</a:t>
+            </a:r>
+          </a:p>
+        </p:txBody>
+      </p:sp>
+    </p:spTree>
+    <p:extLst>
+      <p:ext uri="{BB962C8B-B14F-4D97-AF65-F5344CB8AC3E}">
+        <p14:creationId xmlns:p14="http://schemas.microsoft.com/office/powerpoint/2010/main" val="2988830521"/>
+      </p:ext>
+    </p:extLst>
+  </p:cSld>
+  <p:clrMapOvr>
+    <a:masterClrMapping/>
+  </p:clrMapOvr>
+</p:sld>
+</file>
+
+<file path=ppt/slides/slide17.xml><?xml version="1.0" encoding="utf-8"?>
+<p:sld xmlns:a="http://schemas.openxmlformats.org/drawingml/2006/main" xmlns:r="http://schemas.openxmlformats.org/officeDocument/2006/relationships" xmlns:p="http://schemas.openxmlformats.org/presentationml/2006/main">
+  <p:cSld>
+    <p:spTree>
+      <p:nvGrpSpPr>
+        <p:cNvPr id="1" name=""/>
+        <p:cNvGrpSpPr/>
+        <p:nvPr/>
+      </p:nvGrpSpPr>
+      <p:grpSpPr>
+        <a:xfrm>
+          <a:off x="0" y="0"/>
+          <a:ext cx="0" cy="0"/>
+          <a:chOff x="0" y="0"/>
+          <a:chExt cx="0" cy="0"/>
+        </a:xfrm>
+      </p:grpSpPr>
+      <p:sp>
+        <p:nvSpPr>
+          <p:cNvPr id="2" name="제목 1"/>
+          <p:cNvSpPr>
+            <a:spLocks noGrp="1"/>
+          </p:cNvSpPr>
+          <p:nvPr>
+            <p:ph type="ctrTitle"/>
+          </p:nvPr>
+        </p:nvSpPr>
+        <p:spPr/>
+        <p:txBody>
+          <a:bodyPr/>
+          <a:lstStyle/>
+          <a:p>
+            <a:r>
+              <a:rPr lang="ko-KR" altLang="en-US" dirty="0" smtClean="0"/>
+              <a:t>파워포인트제목</a:t>
+            </a:r>
+            <a:r>
+              <a:rPr lang="en-US" altLang="ko-KR" dirty="0" smtClean="0"/>
+              <a:t>	</a:t>
+            </a:r>
+            <a:endParaRPr lang="ko-KR" altLang="en-US" dirty="0"/>
+          </a:p>
+        </p:txBody>
+      </p:sp>
+      <p:sp>
+        <p:nvSpPr>
+          <p:cNvPr id="3" name="부제목 2"/>
+          <p:cNvSpPr>
+            <a:spLocks noGrp="1"/>
+          </p:cNvSpPr>
+          <p:nvPr>
+            <p:ph type="subTitle" idx="1"/>
+          </p:nvPr>
+        </p:nvSpPr>
+        <p:spPr/>
+        <p:txBody>
+          <a:bodyPr/>
+          <a:lstStyle/>
+          <a:p>
+            <a:r>
+              <a:rPr lang="en-US" altLang="ko-KR" dirty="0" smtClean="0"/>
+              <a:t>12/29 </a:t>
+            </a:r>
+            <a:r>
+              <a:rPr lang="ko-KR" altLang="en-US" dirty="0" smtClean="0"/>
+              <a:t>아무</a:t>
+            </a:r>
+            <a:r>
+              <a:rPr lang="ko-KR" altLang="en-US" dirty="0"/>
+              <a:t>개</a:t>
+            </a:r>
+          </a:p>
+        </p:txBody>
+      </p:sp>
+    </p:spTree>
+    <p:extLst>
+      <p:ext uri="{BB962C8B-B14F-4D97-AF65-F5344CB8AC3E}">
+        <p14:creationId xmlns:p14="http://schemas.microsoft.com/office/powerpoint/2010/main" val="2988830521"/>
+      </p:ext>
+    </p:extLst>
+  </p:cSld>
+  <p:clrMapOvr>
+    <a:masterClrMapping/>
+  </p:clrMapOvr>
+</p:sld>
+</file>
+
+<file path=ppt/slides/slide18.xml><?xml version="1.0" encoding="utf-8"?>
+<p:sld xmlns:a="http://schemas.openxmlformats.org/drawingml/2006/main" xmlns:r="http://schemas.openxmlformats.org/officeDocument/2006/relationships" xmlns:p="http://schemas.openxmlformats.org/presentationml/2006/main">
+  <p:cSld>
+    <p:spTree>
+      <p:nvGrpSpPr>
+        <p:cNvPr id="1" name=""/>
+        <p:cNvGrpSpPr/>
+        <p:nvPr/>
+      </p:nvGrpSpPr>
+      <p:grpSpPr>
+        <a:xfrm>
+          <a:off x="0" y="0"/>
+          <a:ext cx="0" cy="0"/>
+          <a:chOff x="0" y="0"/>
+          <a:chExt cx="0" cy="0"/>
+        </a:xfrm>
+      </p:grpSpPr>
+      <p:sp>
+        <p:nvSpPr>
+          <p:cNvPr id="2" name="제목 1"/>
+          <p:cNvSpPr>
+            <a:spLocks noGrp="1"/>
+          </p:cNvSpPr>
+          <p:nvPr>
+            <p:ph type="ctrTitle"/>
+          </p:nvPr>
+        </p:nvSpPr>
+        <p:spPr/>
+        <p:txBody>
+          <a:bodyPr/>
+          <a:lstStyle/>
+          <a:p>
+            <a:r>
+              <a:rPr lang="ko-KR" altLang="en-US" dirty="0" smtClean="0"/>
+              <a:t>파워포인트제목</a:t>
+            </a:r>
+            <a:r>
+              <a:rPr lang="en-US" altLang="ko-KR" dirty="0" smtClean="0"/>
+              <a:t>	</a:t>
+            </a:r>
+            <a:endParaRPr lang="ko-KR" altLang="en-US" dirty="0"/>
+          </a:p>
+        </p:txBody>
+      </p:sp>
+      <p:sp>
+        <p:nvSpPr>
+          <p:cNvPr id="3" name="부제목 2"/>
+          <p:cNvSpPr>
+            <a:spLocks noGrp="1"/>
+          </p:cNvSpPr>
+          <p:nvPr>
+            <p:ph type="subTitle" idx="1"/>
+          </p:nvPr>
+        </p:nvSpPr>
+        <p:spPr/>
+        <p:txBody>
+          <a:bodyPr/>
+          <a:lstStyle/>
+          <a:p>
+            <a:r>
+              <a:rPr lang="en-US" altLang="ko-KR" dirty="0" smtClean="0"/>
+              <a:t>12/29 </a:t>
+            </a:r>
+            <a:r>
+              <a:rPr lang="ko-KR" altLang="en-US" dirty="0" smtClean="0"/>
+              <a:t>아무</a:t>
+            </a:r>
+            <a:r>
+              <a:rPr lang="ko-KR" altLang="en-US" dirty="0"/>
+              <a:t>개</a:t>
+            </a:r>
+          </a:p>
+        </p:txBody>
+      </p:sp>
+    </p:spTree>
+    <p:extLst>
+      <p:ext uri="{BB962C8B-B14F-4D97-AF65-F5344CB8AC3E}">
+        <p14:creationId xmlns:p14="http://schemas.microsoft.com/office/powerpoint/2010/main" val="2988830521"/>
+      </p:ext>
+    </p:extLst>
+  </p:cSld>
+  <p:clrMapOvr>
+    <a:masterClrMapping/>
+  </p:clrMapOvr>
+</p:sld>
+</file>
+
+<file path=ppt/slides/slide19.xml><?xml version="1.0" encoding="utf-8"?>
+<p:sld xmlns:a="http://schemas.openxmlformats.org/drawingml/2006/main" xmlns:r="http://schemas.openxmlformats.org/officeDocument/2006/relationships" xmlns:p="http://schemas.openxmlformats.org/presentationml/2006/main">
+  <p:cSld>
+    <p:spTree>
+      <p:nvGrpSpPr>
+        <p:cNvPr id="1" name=""/>
+        <p:cNvGrpSpPr/>
+        <p:nvPr/>
+      </p:nvGrpSpPr>
+      <p:grpSpPr>
+        <a:xfrm>
+          <a:off x="0" y="0"/>
+          <a:ext cx="0" cy="0"/>
+          <a:chOff x="0" y="0"/>
+          <a:chExt cx="0" cy="0"/>
+        </a:xfrm>
+      </p:grpSpPr>
+      <p:sp>
+        <p:nvSpPr>
+          <p:cNvPr id="2" name="제목 1"/>
+          <p:cNvSpPr>
+            <a:spLocks noGrp="1"/>
+          </p:cNvSpPr>
+          <p:nvPr>
+            <p:ph type="ctrTitle"/>
+          </p:nvPr>
+        </p:nvSpPr>
+        <p:spPr/>
+        <p:txBody>
+          <a:bodyPr/>
+          <a:lstStyle/>
+          <a:p>
+            <a:r>
+              <a:rPr lang="ko-KR" altLang="en-US" dirty="0" smtClean="0"/>
+              <a:t>파워포인트제목</a:t>
+            </a:r>
+            <a:r>
+              <a:rPr lang="en-US" altLang="ko-KR" dirty="0" smtClean="0"/>
+              <a:t>	</a:t>
+            </a:r>
+            <a:endParaRPr lang="ko-KR" altLang="en-US" dirty="0"/>
+          </a:p>
+        </p:txBody>
+      </p:sp>
+      <p:sp>
+        <p:nvSpPr>
+          <p:cNvPr id="3" name="부제목 2"/>
+          <p:cNvSpPr>
+            <a:spLocks noGrp="1"/>
+          </p:cNvSpPr>
+          <p:nvPr>
+            <p:ph type="subTitle" idx="1"/>
+          </p:nvPr>
+        </p:nvSpPr>
+        <p:spPr/>
+        <p:txBody>
+          <a:bodyPr/>
+          <a:lstStyle/>
+          <a:p>
+            <a:r>
+              <a:rPr lang="en-US" altLang="ko-KR" dirty="0" smtClean="0"/>
+              <a:t>12/29 </a:t>
+            </a:r>
+            <a:r>
+              <a:rPr lang="ko-KR" altLang="en-US" dirty="0" smtClean="0"/>
+              <a:t>아무</a:t>
+            </a:r>
+            <a:r>
+              <a:rPr lang="ko-KR" altLang="en-US" dirty="0"/>
+              <a:t>개</a:t>
+            </a:r>
+          </a:p>
+        </p:txBody>
+      </p:sp>
+    </p:spTree>
+    <p:extLst>
+      <p:ext uri="{BB962C8B-B14F-4D97-AF65-F5344CB8AC3E}">
+        <p14:creationId xmlns:p14="http://schemas.microsoft.com/office/powerpoint/2010/main" val="2988830521"/>
+      </p:ext>
+    </p:extLst>
+  </p:cSld>
+  <p:clrMapOvr>
+    <a:masterClrMapping/>
+  </p:clrMapOvr>
+</p:sld>
+</file>
+
+<file path=ppt/slides/slide2.xml><?xml version="1.0" encoding="utf-8"?>
+<p:sld xmlns:a="http://schemas.openxmlformats.org/drawingml/2006/main" xmlns:r="http://schemas.openxmlformats.org/officeDocument/2006/relationships" xmlns:p="http://schemas.openxmlformats.org/presentationml/2006/main">
+  <p:cSld>
+    <p:spTree>
+      <p:nvGrpSpPr>
+        <p:cNvPr id="1" name=""/>
+        <p:cNvGrpSpPr/>
+        <p:nvPr/>
+      </p:nvGrpSpPr>
+      <p:grpSpPr>
+        <a:xfrm>
+          <a:off x="0" y="0"/>
+          <a:ext cx="0" cy="0"/>
+          <a:chOff x="0" y="0"/>
+          <a:chExt cx="0" cy="0"/>
+        </a:xfrm>
+      </p:grpSpPr>
+      <p:sp>
+        <p:nvSpPr>
+          <p:cNvPr id="2" name="제목 1"/>
+          <p:cNvSpPr>
+            <a:spLocks noGrp="1"/>
+          </p:cNvSpPr>
+          <p:nvPr>
+            <p:ph type="ctrTitle"/>
+          </p:nvPr>
+        </p:nvSpPr>
+        <p:spPr/>
+        <p:txBody>
+          <a:bodyPr/>
+          <a:lstStyle/>
+          <a:p>
+            <a:r>
+              <a:rPr lang="ko-KR" altLang="en-US" dirty="0" smtClean="0"/>
+              <a:t>파워포인트제목</a:t>
+            </a:r>
+            <a:r>
+              <a:rPr lang="en-US" altLang="ko-KR" dirty="0" smtClean="0"/>
+              <a:t>	</a:t>
+            </a:r>
+            <a:endParaRPr lang="ko-KR" altLang="en-US" dirty="0"/>
+          </a:p>
+        </p:txBody>
+      </p:sp>
+      <p:sp>
+        <p:nvSpPr>
+          <p:cNvPr id="3" name="부제목 2"/>
+          <p:cNvSpPr>
+            <a:spLocks noGrp="1"/>
+          </p:cNvSpPr>
+          <p:nvPr>
+            <p:ph type="subTitle" idx="1"/>
+          </p:nvPr>
+        </p:nvSpPr>
+        <p:spPr/>
+        <p:txBody>
+          <a:bodyPr/>
+          <a:lstStyle/>
+          <a:p>
+            <a:r>
+              <a:rPr lang="en-US" altLang="ko-KR" dirty="0" smtClean="0"/>
+              <a:t>12/29 </a:t>
+            </a:r>
+            <a:r>
+              <a:rPr lang="ko-KR" altLang="en-US" dirty="0" smtClean="0"/>
+              <a:t>아무</a:t>
+            </a:r>
+            <a:r>
+              <a:rPr lang="ko-KR" altLang="en-US" dirty="0"/>
+              <a:t>개</a:t>
+            </a:r>
+          </a:p>
+        </p:txBody>
+      </p:sp>
+    </p:spTree>
+    <p:extLst>
+      <p:ext uri="{BB962C8B-B14F-4D97-AF65-F5344CB8AC3E}">
+        <p14:creationId xmlns:p14="http://schemas.microsoft.com/office/powerpoint/2010/main" val="2988830521"/>
+      </p:ext>
+    </p:extLst>
+  </p:cSld>
+  <p:clrMapOvr>
+    <a:masterClrMapping/>
+  </p:clrMapOvr>
+</p:sld>
+</file>
+
+<file path=ppt/slides/slide20.xml><?xml version="1.0" encoding="utf-8"?>
+<p:sld xmlns:a="http://schemas.openxmlformats.org/drawingml/2006/main" xmlns:r="http://schemas.openxmlformats.org/officeDocument/2006/relationships" xmlns:p="http://schemas.openxmlformats.org/presentationml/2006/main">
+  <p:cSld>
+    <p:spTree>
+      <p:nvGrpSpPr>
+        <p:cNvPr id="1" name=""/>
+        <p:cNvGrpSpPr/>
+        <p:nvPr/>
+      </p:nvGrpSpPr>
+      <p:grpSpPr>
+        <a:xfrm>
+          <a:off x="0" y="0"/>
+          <a:ext cx="0" cy="0"/>
+          <a:chOff x="0" y="0"/>
+          <a:chExt cx="0" cy="0"/>
+        </a:xfrm>
+      </p:grpSpPr>
+      <p:sp>
+        <p:nvSpPr>
+          <p:cNvPr id="2" name="제목 1"/>
+          <p:cNvSpPr>
+            <a:spLocks noGrp="1"/>
+          </p:cNvSpPr>
+          <p:nvPr>
+            <p:ph type="ctrTitle"/>
+          </p:nvPr>
+        </p:nvSpPr>
+        <p:spPr/>
+        <p:txBody>
+          <a:bodyPr/>
+          <a:lstStyle/>
+          <a:p>
+            <a:r>
+              <a:rPr lang="ko-KR" altLang="en-US" dirty="0" smtClean="0"/>
+              <a:t>파워포인트제목</a:t>
+            </a:r>
+            <a:r>
+              <a:rPr lang="en-US" altLang="ko-KR" dirty="0" smtClean="0"/>
+              <a:t>	</a:t>
+            </a:r>
+            <a:endParaRPr lang="ko-KR" altLang="en-US" dirty="0"/>
+          </a:p>
+        </p:txBody>
+      </p:sp>
+      <p:sp>
+        <p:nvSpPr>
+          <p:cNvPr id="3" name="부제목 2"/>
+          <p:cNvSpPr>
+            <a:spLocks noGrp="1"/>
+          </p:cNvSpPr>
+          <p:nvPr>
+            <p:ph type="subTitle" idx="1"/>
+          </p:nvPr>
+        </p:nvSpPr>
+        <p:spPr/>
+        <p:txBody>
+          <a:bodyPr/>
+          <a:lstStyle/>
+          <a:p>
+            <a:r>
+              <a:rPr lang="en-US" altLang="ko-KR" dirty="0" smtClean="0"/>
+              <a:t>12/29 </a:t>
+            </a:r>
+            <a:r>
+              <a:rPr lang="ko-KR" altLang="en-US" dirty="0" smtClean="0"/>
+              <a:t>아무</a:t>
+            </a:r>
+            <a:r>
+              <a:rPr lang="ko-KR" altLang="en-US" dirty="0"/>
+              <a:t>개</a:t>
+            </a:r>
+          </a:p>
+        </p:txBody>
+      </p:sp>
+    </p:spTree>
+    <p:extLst>
+      <p:ext uri="{BB962C8B-B14F-4D97-AF65-F5344CB8AC3E}">
+        <p14:creationId xmlns:p14="http://schemas.microsoft.com/office/powerpoint/2010/main" val="2988830521"/>
+      </p:ext>
+    </p:extLst>
+  </p:cSld>
+  <p:clrMapOvr>
+    <a:masterClrMapping/>
+  </p:clrMapOvr>
+</p:sld>
+</file>
+
+<file path=ppt/slides/slide21.xml><?xml version="1.0" encoding="utf-8"?>
+<p:sld xmlns:a="http://schemas.openxmlformats.org/drawingml/2006/main" xmlns:r="http://schemas.openxmlformats.org/officeDocument/2006/relationships" xmlns:p="http://schemas.openxmlformats.org/presentationml/2006/main">
+  <p:cSld>
+    <p:spTree>
+      <p:nvGrpSpPr>
+        <p:cNvPr id="1" name=""/>
+        <p:cNvGrpSpPr/>
+        <p:nvPr/>
+      </p:nvGrpSpPr>
+      <p:grpSpPr>
+        <a:xfrm>
+          <a:off x="0" y="0"/>
+          <a:ext cx="0" cy="0"/>
+          <a:chOff x="0" y="0"/>
+          <a:chExt cx="0" cy="0"/>
+        </a:xfrm>
+      </p:grpSpPr>
+      <p:sp>
+        <p:nvSpPr>
+          <p:cNvPr id="2" name="제목 1"/>
+          <p:cNvSpPr>
+            <a:spLocks noGrp="1"/>
+          </p:cNvSpPr>
+          <p:nvPr>
+            <p:ph type="ctrTitle"/>
+          </p:nvPr>
+        </p:nvSpPr>
+        <p:spPr/>
+        <p:txBody>
+          <a:bodyPr/>
+          <a:lstStyle/>
+          <a:p>
+            <a:r>
+              <a:rPr lang="ko-KR" altLang="en-US" dirty="0" smtClean="0"/>
+              <a:t>파워포인트제목</a:t>
+            </a:r>
+            <a:r>
+              <a:rPr lang="en-US" altLang="ko-KR" dirty="0" smtClean="0"/>
+              <a:t>	</a:t>
+            </a:r>
+            <a:endParaRPr lang="ko-KR" altLang="en-US" dirty="0"/>
+          </a:p>
+        </p:txBody>
+      </p:sp>
+      <p:sp>
+        <p:nvSpPr>
+          <p:cNvPr id="3" name="부제목 2"/>
+          <p:cNvSpPr>
+            <a:spLocks noGrp="1"/>
+          </p:cNvSpPr>
+          <p:nvPr>
+            <p:ph type="subTitle" idx="1"/>
+          </p:nvPr>
+        </p:nvSpPr>
+        <p:spPr/>
+        <p:txBody>
+          <a:bodyPr/>
+          <a:lstStyle/>
+          <a:p>
+            <a:r>
+              <a:rPr lang="en-US" altLang="ko-KR" dirty="0" smtClean="0"/>
+              <a:t>12/29 </a:t>
+            </a:r>
+            <a:r>
+              <a:rPr lang="ko-KR" altLang="en-US" dirty="0" smtClean="0"/>
+              <a:t>아무</a:t>
+            </a:r>
+            <a:r>
+              <a:rPr lang="ko-KR" altLang="en-US" dirty="0"/>
+              <a:t>개</a:t>
+            </a:r>
+          </a:p>
+        </p:txBody>
+      </p:sp>
+    </p:spTree>
+    <p:extLst>
+      <p:ext uri="{BB962C8B-B14F-4D97-AF65-F5344CB8AC3E}">
+        <p14:creationId xmlns:p14="http://schemas.microsoft.com/office/powerpoint/2010/main" val="2988830521"/>
+      </p:ext>
+    </p:extLst>
+  </p:cSld>
+  <p:clrMapOvr>
+    <a:masterClrMapping/>
+  </p:clrMapOvr>
+</p:sld>
+</file>
+
+<file path=ppt/slides/slide22.xml><?xml version="1.0" encoding="utf-8"?>
+<p:sld xmlns:a="http://schemas.openxmlformats.org/drawingml/2006/main" xmlns:r="http://schemas.openxmlformats.org/officeDocument/2006/relationships" xmlns:p="http://schemas.openxmlformats.org/presentationml/2006/main">
+  <p:cSld>
+    <p:spTree>
+      <p:nvGrpSpPr>
+        <p:cNvPr id="1" name=""/>
+        <p:cNvGrpSpPr/>
+        <p:nvPr/>
+      </p:nvGrpSpPr>
+      <p:grpSpPr>
+        <a:xfrm>
+          <a:off x="0" y="0"/>
+          <a:ext cx="0" cy="0"/>
+          <a:chOff x="0" y="0"/>
+          <a:chExt cx="0" cy="0"/>
+        </a:xfrm>
+      </p:grpSpPr>
+      <p:sp>
+        <p:nvSpPr>
+          <p:cNvPr id="2" name="제목 1"/>
+          <p:cNvSpPr>
+            <a:spLocks noGrp="1"/>
+          </p:cNvSpPr>
+          <p:nvPr>
+            <p:ph type="ctrTitle"/>
+          </p:nvPr>
+        </p:nvSpPr>
+        <p:spPr/>
+        <p:txBody>
+          <a:bodyPr/>
+          <a:lstStyle/>
+          <a:p>
+            <a:r>
+              <a:rPr lang="ko-KR" altLang="en-US" dirty="0" smtClean="0"/>
+              <a:t>파워포인트제목</a:t>
+            </a:r>
+            <a:r>
+              <a:rPr lang="en-US" altLang="ko-KR" dirty="0" smtClean="0"/>
+              <a:t>	</a:t>
+            </a:r>
+            <a:endParaRPr lang="ko-KR" altLang="en-US" dirty="0"/>
+          </a:p>
+        </p:txBody>
+      </p:sp>
+      <p:sp>
+        <p:nvSpPr>
+          <p:cNvPr id="3" name="부제목 2"/>
+          <p:cNvSpPr>
+            <a:spLocks noGrp="1"/>
+          </p:cNvSpPr>
+          <p:nvPr>
+            <p:ph type="subTitle" idx="1"/>
+          </p:nvPr>
+        </p:nvSpPr>
+        <p:spPr/>
+        <p:txBody>
+          <a:bodyPr/>
+          <a:lstStyle/>
+          <a:p>
+            <a:r>
+              <a:rPr lang="en-US" altLang="ko-KR" dirty="0" smtClean="0"/>
+              <a:t>12/29 </a:t>
+            </a:r>
+            <a:r>
+              <a:rPr lang="ko-KR" altLang="en-US" dirty="0" smtClean="0"/>
+              <a:t>아무</a:t>
+            </a:r>
+            <a:r>
+              <a:rPr lang="ko-KR" altLang="en-US" dirty="0"/>
+              <a:t>개</a:t>
+            </a:r>
+          </a:p>
+        </p:txBody>
+      </p:sp>
+    </p:spTree>
+    <p:extLst>
+      <p:ext uri="{BB962C8B-B14F-4D97-AF65-F5344CB8AC3E}">
+        <p14:creationId xmlns:p14="http://schemas.microsoft.com/office/powerpoint/2010/main" val="2988830521"/>
+      </p:ext>
+    </p:extLst>
+  </p:cSld>
+  <p:clrMapOvr>
+    <a:masterClrMapping/>
+  </p:clrMapOvr>
+</p:sld>
+</file>
+
+<file path=ppt/slides/slide23.xml><?xml version="1.0" encoding="utf-8"?>
+<p:sld xmlns:a="http://schemas.openxmlformats.org/drawingml/2006/main" xmlns:r="http://schemas.openxmlformats.org/officeDocument/2006/relationships" xmlns:p="http://schemas.openxmlformats.org/presentationml/2006/main">
+  <p:cSld>
+    <p:spTree>
+      <p:nvGrpSpPr>
+        <p:cNvPr id="1" name=""/>
+        <p:cNvGrpSpPr/>
+        <p:nvPr/>
+      </p:nvGrpSpPr>
+      <p:grpSpPr>
+        <a:xfrm>
+          <a:off x="0" y="0"/>
+          <a:ext cx="0" cy="0"/>
+          <a:chOff x="0" y="0"/>
+          <a:chExt cx="0" cy="0"/>
+        </a:xfrm>
+      </p:grpSpPr>
+      <p:sp>
+        <p:nvSpPr>
+          <p:cNvPr id="2" name="제목 1"/>
+          <p:cNvSpPr>
+            <a:spLocks noGrp="1"/>
+          </p:cNvSpPr>
+          <p:nvPr>
+            <p:ph type="ctrTitle"/>
+          </p:nvPr>
+        </p:nvSpPr>
+        <p:spPr/>
+        <p:txBody>
+          <a:bodyPr/>
+          <a:lstStyle/>
+          <a:p>
+            <a:r>
+              <a:rPr lang="ko-KR" altLang="en-US" dirty="0" smtClean="0"/>
+              <a:t>파워포인트제목</a:t>
+            </a:r>
+            <a:r>
+              <a:rPr lang="en-US" altLang="ko-KR" dirty="0" smtClean="0"/>
+              <a:t>	</a:t>
+            </a:r>
+            <a:endParaRPr lang="ko-KR" altLang="en-US" dirty="0"/>
+          </a:p>
+        </p:txBody>
+      </p:sp>
+      <p:sp>
+        <p:nvSpPr>
+          <p:cNvPr id="3" name="부제목 2"/>
+          <p:cNvSpPr>
+            <a:spLocks noGrp="1"/>
+          </p:cNvSpPr>
+          <p:nvPr>
+            <p:ph type="subTitle" idx="1"/>
+          </p:nvPr>
+        </p:nvSpPr>
+        <p:spPr/>
+        <p:txBody>
+          <a:bodyPr/>
+          <a:lstStyle/>
+          <a:p>
+            <a:r>
+              <a:rPr lang="en-US" altLang="ko-KR" dirty="0" smtClean="0"/>
+              <a:t>12/29 </a:t>
+            </a:r>
+            <a:r>
+              <a:rPr lang="ko-KR" altLang="en-US" dirty="0" smtClean="0"/>
+              <a:t>아무</a:t>
+            </a:r>
+            <a:r>
+              <a:rPr lang="ko-KR" altLang="en-US" dirty="0"/>
+              <a:t>개</a:t>
+            </a:r>
+          </a:p>
+        </p:txBody>
+      </p:sp>
+    </p:spTree>
+    <p:extLst>
+      <p:ext uri="{BB962C8B-B14F-4D97-AF65-F5344CB8AC3E}">
+        <p14:creationId xmlns:p14="http://schemas.microsoft.com/office/powerpoint/2010/main" val="2988830521"/>
+      </p:ext>
+    </p:extLst>
+  </p:cSld>
+  <p:clrMapOvr>
+    <a:masterClrMapping/>
+  </p:clrMapOvr>
+</p:sld>
+</file>
+
+<file path=ppt/slides/slide24.xml><?xml version="1.0" encoding="utf-8"?>
+<p:sld xmlns:a="http://schemas.openxmlformats.org/drawingml/2006/main" xmlns:r="http://schemas.openxmlformats.org/officeDocument/2006/relationships" xmlns:p="http://schemas.openxmlformats.org/presentationml/2006/main">
+  <p:cSld>
+    <p:spTree>
+      <p:nvGrpSpPr>
+        <p:cNvPr id="1" name=""/>
+        <p:cNvGrpSpPr/>
+        <p:nvPr/>
+      </p:nvGrpSpPr>
+      <p:grpSpPr>
+        <a:xfrm>
+          <a:off x="0" y="0"/>
+          <a:ext cx="0" cy="0"/>
+          <a:chOff x="0" y="0"/>
+          <a:chExt cx="0" cy="0"/>
+        </a:xfrm>
+      </p:grpSpPr>
+      <p:sp>
+        <p:nvSpPr>
+          <p:cNvPr id="2" name="제목 1"/>
+          <p:cNvSpPr>
+            <a:spLocks noGrp="1"/>
+          </p:cNvSpPr>
+          <p:nvPr>
+            <p:ph type="ctrTitle"/>
+          </p:nvPr>
+        </p:nvSpPr>
+        <p:spPr/>
+        <p:txBody>
+          <a:bodyPr/>
+          <a:lstStyle/>
+          <a:p>
+            <a:r>
+              <a:rPr lang="ko-KR" altLang="en-US" dirty="0" smtClean="0"/>
+              <a:t>파워포인트제목</a:t>
+            </a:r>
+            <a:r>
+              <a:rPr lang="en-US" altLang="ko-KR" dirty="0" smtClean="0"/>
+              <a:t>	</a:t>
+            </a:r>
+            <a:endParaRPr lang="ko-KR" altLang="en-US" dirty="0"/>
+          </a:p>
+        </p:txBody>
+      </p:sp>
+      <p:sp>
+        <p:nvSpPr>
+          <p:cNvPr id="3" name="부제목 2"/>
+          <p:cNvSpPr>
+            <a:spLocks noGrp="1"/>
+          </p:cNvSpPr>
+          <p:nvPr>
+            <p:ph type="subTitle" idx="1"/>
+          </p:nvPr>
+        </p:nvSpPr>
+        <p:spPr/>
+        <p:txBody>
+          <a:bodyPr/>
+          <a:lstStyle/>
+          <a:p>
+            <a:r>
+              <a:rPr lang="en-US" altLang="ko-KR" dirty="0" smtClean="0"/>
+              <a:t>12/29 </a:t>
+            </a:r>
+            <a:r>
+              <a:rPr lang="ko-KR" altLang="en-US" dirty="0" smtClean="0"/>
+              <a:t>아무</a:t>
+            </a:r>
+            <a:r>
+              <a:rPr lang="ko-KR" altLang="en-US" dirty="0"/>
+              <a:t>개</a:t>
+            </a:r>
+          </a:p>
+        </p:txBody>
+      </p:sp>
+    </p:spTree>
+    <p:extLst>
+      <p:ext uri="{BB962C8B-B14F-4D97-AF65-F5344CB8AC3E}">
+        <p14:creationId xmlns:p14="http://schemas.microsoft.com/office/powerpoint/2010/main" val="2988830521"/>
+      </p:ext>
+    </p:extLst>
+  </p:cSld>
+  <p:clrMapOvr>
+    <a:masterClrMapping/>
+  </p:clrMapOvr>
+</p:sld>
+</file>
+
+<file path=ppt/slides/slide25.xml><?xml version="1.0" encoding="utf-8"?>
+<p:sld xmlns:a="http://schemas.openxmlformats.org/drawingml/2006/main" xmlns:r="http://schemas.openxmlformats.org/officeDocument/2006/relationships" xmlns:p="http://schemas.openxmlformats.org/presentationml/2006/main">
+  <p:cSld>
+    <p:spTree>
+      <p:nvGrpSpPr>
+        <p:cNvPr id="1" name=""/>
+        <p:cNvGrpSpPr/>
+        <p:nvPr/>
+      </p:nvGrpSpPr>
+      <p:grpSpPr>
+        <a:xfrm>
+          <a:off x="0" y="0"/>
+          <a:ext cx="0" cy="0"/>
+          <a:chOff x="0" y="0"/>
+          <a:chExt cx="0" cy="0"/>
+        </a:xfrm>
+      </p:grpSpPr>
+      <p:sp>
+        <p:nvSpPr>
+          <p:cNvPr id="2" name="제목 1"/>
+          <p:cNvSpPr>
+            <a:spLocks noGrp="1"/>
+          </p:cNvSpPr>
+          <p:nvPr>
+            <p:ph type="ctrTitle"/>
+          </p:nvPr>
+        </p:nvSpPr>
+        <p:spPr/>
+        <p:txBody>
+          <a:bodyPr/>
+          <a:lstStyle/>
+          <a:p>
+            <a:r>
+              <a:rPr lang="ko-KR" altLang="en-US" dirty="0" smtClean="0"/>
+              <a:t>파워포인트제목</a:t>
+            </a:r>
+            <a:r>
+              <a:rPr lang="en-US" altLang="ko-KR" dirty="0" smtClean="0"/>
+              <a:t>	</a:t>
+            </a:r>
+            <a:endParaRPr lang="ko-KR" altLang="en-US" dirty="0"/>
+          </a:p>
+        </p:txBody>
+      </p:sp>
+      <p:sp>
+        <p:nvSpPr>
+          <p:cNvPr id="3" name="부제목 2"/>
+          <p:cNvSpPr>
+            <a:spLocks noGrp="1"/>
+          </p:cNvSpPr>
+          <p:nvPr>
+            <p:ph type="subTitle" idx="1"/>
+          </p:nvPr>
+        </p:nvSpPr>
+        <p:spPr/>
+        <p:txBody>
+          <a:bodyPr/>
+          <a:lstStyle/>
+          <a:p>
+            <a:r>
+              <a:rPr lang="en-US" altLang="ko-KR" dirty="0" smtClean="0"/>
+              <a:t>12/29 </a:t>
+            </a:r>
+            <a:r>
+              <a:rPr lang="ko-KR" altLang="en-US" dirty="0" smtClean="0"/>
+              <a:t>아무</a:t>
+            </a:r>
+            <a:r>
+              <a:rPr lang="ko-KR" altLang="en-US" dirty="0"/>
+              <a:t>개</a:t>
+            </a:r>
+          </a:p>
+        </p:txBody>
+      </p:sp>
+    </p:spTree>
+    <p:extLst>
+      <p:ext uri="{BB962C8B-B14F-4D97-AF65-F5344CB8AC3E}">
+        <p14:creationId xmlns:p14="http://schemas.microsoft.com/office/powerpoint/2010/main" val="2988830521"/>
+      </p:ext>
+    </p:extLst>
+  </p:cSld>
+  <p:clrMapOvr>
+    <a:masterClrMapping/>
+  </p:clrMapOvr>
+</p:sld>
+</file>
+
+<file path=ppt/slides/slide26.xml><?xml version="1.0" encoding="utf-8"?>
+<p:sld xmlns:a="http://schemas.openxmlformats.org/drawingml/2006/main" xmlns:r="http://schemas.openxmlformats.org/officeDocument/2006/relationships" xmlns:p="http://schemas.openxmlformats.org/presentationml/2006/main">
+  <p:cSld>
+    <p:spTree>
+      <p:nvGrpSpPr>
+        <p:cNvPr id="1" name=""/>
+        <p:cNvGrpSpPr/>
+        <p:nvPr/>
+      </p:nvGrpSpPr>
+      <p:grpSpPr>
+        <a:xfrm>
+          <a:off x="0" y="0"/>
+          <a:ext cx="0" cy="0"/>
+          <a:chOff x="0" y="0"/>
+          <a:chExt cx="0" cy="0"/>
+        </a:xfrm>
+      </p:grpSpPr>
+      <p:sp>
+        <p:nvSpPr>
+          <p:cNvPr id="2" name="제목 1"/>
+          <p:cNvSpPr>
+            <a:spLocks noGrp="1"/>
+          </p:cNvSpPr>
+          <p:nvPr>
+            <p:ph type="ctrTitle"/>
+          </p:nvPr>
+        </p:nvSpPr>
+        <p:spPr/>
+        <p:txBody>
+          <a:bodyPr/>
+          <a:lstStyle/>
+          <a:p>
+            <a:r>
+              <a:rPr lang="ko-KR" altLang="en-US" dirty="0" smtClean="0"/>
+              <a:t>파워포인트제목</a:t>
+            </a:r>
+            <a:r>
+              <a:rPr lang="en-US" altLang="ko-KR" dirty="0" smtClean="0"/>
+              <a:t>	</a:t>
+            </a:r>
+            <a:endParaRPr lang="ko-KR" altLang="en-US" dirty="0"/>
+          </a:p>
+        </p:txBody>
+      </p:sp>
+      <p:sp>
+        <p:nvSpPr>
+          <p:cNvPr id="3" name="부제목 2"/>
+          <p:cNvSpPr>
+            <a:spLocks noGrp="1"/>
+          </p:cNvSpPr>
+          <p:nvPr>
+            <p:ph type="subTitle" idx="1"/>
+          </p:nvPr>
+        </p:nvSpPr>
+        <p:spPr/>
+        <p:txBody>
+          <a:bodyPr/>
+          <a:lstStyle/>
+          <a:p>
+            <a:r>
+              <a:rPr lang="en-US" altLang="ko-KR" dirty="0" smtClean="0"/>
+              <a:t>12/29 </a:t>
+            </a:r>
+            <a:r>
+              <a:rPr lang="ko-KR" altLang="en-US" dirty="0" smtClean="0"/>
+              <a:t>아무</a:t>
+            </a:r>
+            <a:r>
+              <a:rPr lang="ko-KR" altLang="en-US" dirty="0"/>
+              <a:t>개</a:t>
+            </a:r>
+          </a:p>
+        </p:txBody>
+      </p:sp>
+    </p:spTree>
+    <p:extLst>
+      <p:ext uri="{BB962C8B-B14F-4D97-AF65-F5344CB8AC3E}">
+        <p14:creationId xmlns:p14="http://schemas.microsoft.com/office/powerpoint/2010/main" val="2988830521"/>
+      </p:ext>
+    </p:extLst>
+  </p:cSld>
+  <p:clrMapOvr>
+    <a:masterClrMapping/>
+  </p:clrMapOvr>
+</p:sld>
+</file>
+
+<file path=ppt/slides/slide27.xml><?xml version="1.0" encoding="utf-8"?>
+<p:sld xmlns:a="http://schemas.openxmlformats.org/drawingml/2006/main" xmlns:r="http://schemas.openxmlformats.org/officeDocument/2006/relationships" xmlns:p="http://schemas.openxmlformats.org/presentationml/2006/main">
+  <p:cSld>
+    <p:spTree>
+      <p:nvGrpSpPr>
+        <p:cNvPr id="1" name=""/>
+        <p:cNvGrpSpPr/>
+        <p:nvPr/>
+      </p:nvGrpSpPr>
+      <p:grpSpPr>
+        <a:xfrm>
+          <a:off x="0" y="0"/>
+          <a:ext cx="0" cy="0"/>
+          <a:chOff x="0" y="0"/>
+          <a:chExt cx="0" cy="0"/>
+        </a:xfrm>
+      </p:grpSpPr>
+      <p:sp>
+        <p:nvSpPr>
+          <p:cNvPr id="2" name="제목 1"/>
+          <p:cNvSpPr>
+            <a:spLocks noGrp="1"/>
+          </p:cNvSpPr>
+          <p:nvPr>
+            <p:ph type="ctrTitle"/>
+          </p:nvPr>
+        </p:nvSpPr>
+        <p:spPr/>
+        <p:txBody>
+          <a:bodyPr/>
+          <a:lstStyle/>
+          <a:p>
+            <a:r>
+              <a:rPr lang="ko-KR" altLang="en-US" dirty="0" smtClean="0"/>
+              <a:t>파워포인트제목</a:t>
+            </a:r>
+            <a:r>
+              <a:rPr lang="en-US" altLang="ko-KR" dirty="0" smtClean="0"/>
+              <a:t>	</a:t>
+            </a:r>
+            <a:endParaRPr lang="ko-KR" altLang="en-US" dirty="0"/>
+          </a:p>
+        </p:txBody>
+      </p:sp>
+      <p:sp>
+        <p:nvSpPr>
+          <p:cNvPr id="3" name="부제목 2"/>
+          <p:cNvSpPr>
+            <a:spLocks noGrp="1"/>
+          </p:cNvSpPr>
+          <p:nvPr>
+            <p:ph type="subTitle" idx="1"/>
+          </p:nvPr>
+        </p:nvSpPr>
+        <p:spPr/>
+        <p:txBody>
+          <a:bodyPr/>
+          <a:lstStyle/>
+          <a:p>
+            <a:r>
+              <a:rPr lang="en-US" altLang="ko-KR" dirty="0" smtClean="0"/>
+              <a:t>12/29 </a:t>
+            </a:r>
+            <a:r>
+              <a:rPr lang="ko-KR" altLang="en-US" dirty="0" smtClean="0"/>
+              <a:t>아무</a:t>
+            </a:r>
+            <a:r>
+              <a:rPr lang="ko-KR" altLang="en-US" dirty="0"/>
+              <a:t>개</a:t>
+            </a:r>
+          </a:p>
+        </p:txBody>
+      </p:sp>
+    </p:spTree>
+    <p:extLst>
+      <p:ext uri="{BB962C8B-B14F-4D97-AF65-F5344CB8AC3E}">
+        <p14:creationId xmlns:p14="http://schemas.microsoft.com/office/powerpoint/2010/main" val="2988830521"/>
+      </p:ext>
+    </p:extLst>
+  </p:cSld>
+  <p:clrMapOvr>
+    <a:masterClrMapping/>
+  </p:clrMapOvr>
+</p:sld>
+</file>
+
+<file path=ppt/slides/slide28.xml><?xml version="1.0" encoding="utf-8"?>
+<p:sld xmlns:a="http://schemas.openxmlformats.org/drawingml/2006/main" xmlns:r="http://schemas.openxmlformats.org/officeDocument/2006/relationships" xmlns:p="http://schemas.openxmlformats.org/presentationml/2006/main">
+  <p:cSld>
+    <p:spTree>
+      <p:nvGrpSpPr>
+        <p:cNvPr id="1" name=""/>
+        <p:cNvGrpSpPr/>
+        <p:nvPr/>
+      </p:nvGrpSpPr>
+      <p:grpSpPr>
+        <a:xfrm>
+          <a:off x="0" y="0"/>
+          <a:ext cx="0" cy="0"/>
+          <a:chOff x="0" y="0"/>
+          <a:chExt cx="0" cy="0"/>
+        </a:xfrm>
+      </p:grpSpPr>
+      <p:sp>
+        <p:nvSpPr>
+          <p:cNvPr id="2" name="제목 1"/>
+          <p:cNvSpPr>
+            <a:spLocks noGrp="1"/>
+          </p:cNvSpPr>
+          <p:nvPr>
+            <p:ph type="ctrTitle"/>
+          </p:nvPr>
+        </p:nvSpPr>
+        <p:spPr/>
+        <p:txBody>
+          <a:bodyPr/>
+          <a:lstStyle/>
+          <a:p>
+            <a:r>
+              <a:rPr lang="ko-KR" altLang="en-US" dirty="0" smtClean="0"/>
+              <a:t>파워포인트제목</a:t>
+            </a:r>
+            <a:r>
+              <a:rPr lang="en-US" altLang="ko-KR" dirty="0" smtClean="0"/>
+              <a:t>	</a:t>
+            </a:r>
+            <a:endParaRPr lang="ko-KR" altLang="en-US" dirty="0"/>
+          </a:p>
+        </p:txBody>
+      </p:sp>
+      <p:sp>
+        <p:nvSpPr>
+          <p:cNvPr id="3" name="부제목 2"/>
+          <p:cNvSpPr>
+            <a:spLocks noGrp="1"/>
+          </p:cNvSpPr>
+          <p:nvPr>
+            <p:ph type="subTitle" idx="1"/>
+          </p:nvPr>
+        </p:nvSpPr>
+        <p:spPr/>
+        <p:txBody>
+          <a:bodyPr/>
+          <a:lstStyle/>
+          <a:p>
+            <a:r>
+              <a:rPr lang="en-US" altLang="ko-KR" dirty="0" smtClean="0"/>
+              <a:t>12/29 </a:t>
+            </a:r>
+            <a:r>
+              <a:rPr lang="ko-KR" altLang="en-US" dirty="0" smtClean="0"/>
+              <a:t>아무</a:t>
+            </a:r>
+            <a:r>
+              <a:rPr lang="ko-KR" altLang="en-US" dirty="0"/>
+              <a:t>개</a:t>
+            </a:r>
+          </a:p>
+        </p:txBody>
+      </p:sp>
+    </p:spTree>
+    <p:extLst>
+      <p:ext uri="{BB962C8B-B14F-4D97-AF65-F5344CB8AC3E}">
+        <p14:creationId xmlns:p14="http://schemas.microsoft.com/office/powerpoint/2010/main" val="2988830521"/>
+      </p:ext>
+    </p:extLst>
+  </p:cSld>
+  <p:clrMapOvr>
+    <a:masterClrMapping/>
+  </p:clrMapOvr>
+</p:sld>
+</file>
+
+<file path=ppt/slides/slide29.xml><?xml version="1.0" encoding="utf-8"?>
+<p:sld xmlns:a="http://schemas.openxmlformats.org/drawingml/2006/main" xmlns:r="http://schemas.openxmlformats.org/officeDocument/2006/relationships" xmlns:p="http://schemas.openxmlformats.org/presentationml/2006/main">
+  <p:cSld>
+    <p:spTree>
+      <p:nvGrpSpPr>
+        <p:cNvPr id="1" name=""/>
+        <p:cNvGrpSpPr/>
+        <p:nvPr/>
+      </p:nvGrpSpPr>
+      <p:grpSpPr>
+        <a:xfrm>
+          <a:off x="0" y="0"/>
+          <a:ext cx="0" cy="0"/>
+          <a:chOff x="0" y="0"/>
+          <a:chExt cx="0" cy="0"/>
+        </a:xfrm>
+      </p:grpSpPr>
+      <p:sp>
+        <p:nvSpPr>
+          <p:cNvPr id="2" name="제목 1"/>
+          <p:cNvSpPr>
+            <a:spLocks noGrp="1"/>
+          </p:cNvSpPr>
+          <p:nvPr>
+            <p:ph type="ctrTitle"/>
+          </p:nvPr>
+        </p:nvSpPr>
+        <p:spPr/>
+        <p:txBody>
+          <a:bodyPr/>
+          <a:lstStyle/>
+          <a:p>
+            <a:r>
+              <a:rPr lang="ko-KR" altLang="en-US" dirty="0" smtClean="0"/>
+              <a:t>파워포인트제목</a:t>
+            </a:r>
+            <a:r>
+              <a:rPr lang="en-US" altLang="ko-KR" dirty="0" smtClean="0"/>
+              <a:t>	</a:t>
+            </a:r>
+            <a:endParaRPr lang="ko-KR" altLang="en-US" dirty="0"/>
+          </a:p>
+        </p:txBody>
+      </p:sp>
+      <p:sp>
+        <p:nvSpPr>
+          <p:cNvPr id="3" name="부제목 2"/>
+          <p:cNvSpPr>
+            <a:spLocks noGrp="1"/>
+          </p:cNvSpPr>
+          <p:nvPr>
+            <p:ph type="subTitle" idx="1"/>
+          </p:nvPr>
+        </p:nvSpPr>
+        <p:spPr/>
+        <p:txBody>
+          <a:bodyPr/>
+          <a:lstStyle/>
+          <a:p>
+            <a:r>
+              <a:rPr lang="en-US" altLang="ko-KR" dirty="0" smtClean="0"/>
+              <a:t>12/29 </a:t>
+            </a:r>
+            <a:r>
+              <a:rPr lang="ko-KR" altLang="en-US" dirty="0" smtClean="0"/>
+              <a:t>아무</a:t>
+            </a:r>
+            <a:r>
+              <a:rPr lang="ko-KR" altLang="en-US" dirty="0"/>
+              <a:t>개</a:t>
+            </a:r>
+          </a:p>
+        </p:txBody>
+      </p:sp>
+    </p:spTree>
+    <p:extLst>
+      <p:ext uri="{BB962C8B-B14F-4D97-AF65-F5344CB8AC3E}">
+        <p14:creationId xmlns:p14="http://schemas.microsoft.com/office/powerpoint/2010/main" val="2988830521"/>
+      </p:ext>
+    </p:extLst>
+  </p:cSld>
+  <p:clrMapOvr>
+    <a:masterClrMapping/>
+  </p:clrMapOvr>
+</p:sld>
+</file>
+
+<file path=ppt/slides/slide3.xml><?xml version="1.0" encoding="utf-8"?>
+<p:sld xmlns:a="http://schemas.openxmlformats.org/drawingml/2006/main" xmlns:r="http://schemas.openxmlformats.org/officeDocument/2006/relationships" xmlns:p="http://schemas.openxmlformats.org/presentationml/2006/main">
+  <p:cSld>
+    <p:spTree>
+      <p:nvGrpSpPr>
+        <p:cNvPr id="1" name=""/>
+        <p:cNvGrpSpPr/>
+        <p:nvPr/>
+      </p:nvGrpSpPr>
+      <p:grpSpPr>
+        <a:xfrm>
+          <a:off x="0" y="0"/>
+          <a:ext cx="0" cy="0"/>
+          <a:chOff x="0" y="0"/>
+          <a:chExt cx="0" cy="0"/>
+        </a:xfrm>
+      </p:grpSpPr>
+      <p:sp>
+        <p:nvSpPr>
+          <p:cNvPr id="2" name="제목 1"/>
+          <p:cNvSpPr>
+            <a:spLocks noGrp="1"/>
+          </p:cNvSpPr>
+          <p:nvPr>
+            <p:ph type="ctrTitle"/>
+          </p:nvPr>
+        </p:nvSpPr>
+        <p:spPr/>
+        <p:txBody>
+          <a:bodyPr/>
+          <a:lstStyle/>
+          <a:p>
+            <a:r>
+              <a:rPr lang="ko-KR" altLang="en-US" dirty="0" smtClean="0"/>
+              <a:t>파워포인트제목</a:t>
+            </a:r>
+            <a:r>
+              <a:rPr lang="en-US" altLang="ko-KR" dirty="0" smtClean="0"/>
+              <a:t>	</a:t>
+            </a:r>
+            <a:endParaRPr lang="ko-KR" altLang="en-US" dirty="0"/>
+          </a:p>
+        </p:txBody>
+      </p:sp>
+      <p:sp>
+        <p:nvSpPr>
+          <p:cNvPr id="3" name="부제목 2"/>
+          <p:cNvSpPr>
+            <a:spLocks noGrp="1"/>
+          </p:cNvSpPr>
+          <p:nvPr>
+            <p:ph type="subTitle" idx="1"/>
+          </p:nvPr>
+        </p:nvSpPr>
+        <p:spPr/>
+        <p:txBody>
+          <a:bodyPr/>
+          <a:lstStyle/>
+          <a:p>
+            <a:r>
+              <a:rPr lang="en-US" altLang="ko-KR" dirty="0" smtClean="0"/>
+              <a:t>12/29 </a:t>
+            </a:r>
+            <a:r>
+              <a:rPr lang="ko-KR" altLang="en-US" dirty="0" smtClean="0"/>
+              <a:t>아무</a:t>
+            </a:r>
+            <a:r>
+              <a:rPr lang="ko-KR" altLang="en-US" dirty="0"/>
+              <a:t>개</a:t>
+            </a:r>
+          </a:p>
+        </p:txBody>
+      </p:sp>
+    </p:spTree>
+    <p:extLst>
+      <p:ext uri="{BB962C8B-B14F-4D97-AF65-F5344CB8AC3E}">
+        <p14:creationId xmlns:p14="http://schemas.microsoft.com/office/powerpoint/2010/main" val="2988830521"/>
+      </p:ext>
+    </p:extLst>
+  </p:cSld>
+  <p:clrMapOvr>
+    <a:masterClrMapping/>
+  </p:clrMapOvr>
+</p:sld>
+</file>
+
+<file path=ppt/slides/slide30.xml><?xml version="1.0" encoding="utf-8"?>
+<p:sld xmlns:a="http://schemas.openxmlformats.org/drawingml/2006/main" xmlns:r="http://schemas.openxmlformats.org/officeDocument/2006/relationships" xmlns:p="http://schemas.openxmlformats.org/presentationml/2006/main">
+  <p:cSld>
+    <p:spTree>
+      <p:nvGrpSpPr>
+        <p:cNvPr id="1" name=""/>
+        <p:cNvGrpSpPr/>
+        <p:nvPr/>
+      </p:nvGrpSpPr>
+      <p:grpSpPr>
+        <a:xfrm>
+          <a:off x="0" y="0"/>
+          <a:ext cx="0" cy="0"/>
+          <a:chOff x="0" y="0"/>
+          <a:chExt cx="0" cy="0"/>
+        </a:xfrm>
+      </p:grpSpPr>
+      <p:sp>
+        <p:nvSpPr>
+          <p:cNvPr id="2" name="제목 1"/>
+          <p:cNvSpPr>
+            <a:spLocks noGrp="1"/>
+          </p:cNvSpPr>
+          <p:nvPr>
+            <p:ph type="ctrTitle"/>
+          </p:nvPr>
+        </p:nvSpPr>
+        <p:spPr/>
+        <p:txBody>
+          <a:bodyPr/>
+          <a:lstStyle/>
+          <a:p>
+            <a:r>
+              <a:rPr lang="ko-KR" altLang="en-US" dirty="0" smtClean="0"/>
+              <a:t>파워포인트제목</a:t>
+            </a:r>
+            <a:r>
+              <a:rPr lang="en-US" altLang="ko-KR" dirty="0" smtClean="0"/>
+              <a:t>	</a:t>
+            </a:r>
+            <a:endParaRPr lang="ko-KR" altLang="en-US" dirty="0"/>
+          </a:p>
+        </p:txBody>
+      </p:sp>
+      <p:sp>
+        <p:nvSpPr>
+          <p:cNvPr id="3" name="부제목 2"/>
+          <p:cNvSpPr>
+            <a:spLocks noGrp="1"/>
+          </p:cNvSpPr>
+          <p:nvPr>
+            <p:ph type="subTitle" idx="1"/>
+          </p:nvPr>
+        </p:nvSpPr>
+        <p:spPr/>
+        <p:txBody>
+          <a:bodyPr/>
+          <a:lstStyle/>
+          <a:p>
+            <a:r>
+              <a:rPr lang="en-US" altLang="ko-KR" dirty="0" smtClean="0"/>
+              <a:t>12/29 </a:t>
+            </a:r>
+            <a:r>
+              <a:rPr lang="ko-KR" altLang="en-US" dirty="0" smtClean="0"/>
+              <a:t>아무</a:t>
+            </a:r>
+            <a:r>
+              <a:rPr lang="ko-KR" altLang="en-US" dirty="0"/>
+              <a:t>개</a:t>
+            </a:r>
+          </a:p>
+        </p:txBody>
+      </p:sp>
+    </p:spTree>
+    <p:extLst>
+      <p:ext uri="{BB962C8B-B14F-4D97-AF65-F5344CB8AC3E}">
+        <p14:creationId xmlns:p14="http://schemas.microsoft.com/office/powerpoint/2010/main" val="2988830521"/>
+      </p:ext>
+    </p:extLst>
+  </p:cSld>
+  <p:clrMapOvr>
+    <a:masterClrMapping/>
+  </p:clrMapOvr>
+</p:sld>
+</file>
+
+<file path=ppt/slides/slide31.xml><?xml version="1.0" encoding="utf-8"?>
+<p:sld xmlns:a="http://schemas.openxmlformats.org/drawingml/2006/main" xmlns:r="http://schemas.openxmlformats.org/officeDocument/2006/relationships" xmlns:p="http://schemas.openxmlformats.org/presentationml/2006/main">
+  <p:cSld>
+    <p:spTree>
+      <p:nvGrpSpPr>
+        <p:cNvPr id="1" name=""/>
+        <p:cNvGrpSpPr/>
+        <p:nvPr/>
+      </p:nvGrpSpPr>
+      <p:grpSpPr>
+        <a:xfrm>
+          <a:off x="0" y="0"/>
+          <a:ext cx="0" cy="0"/>
+          <a:chOff x="0" y="0"/>
+          <a:chExt cx="0" cy="0"/>
+        </a:xfrm>
+      </p:grpSpPr>
+      <p:sp>
+        <p:nvSpPr>
+          <p:cNvPr id="2" name="제목 1"/>
+          <p:cNvSpPr>
+            <a:spLocks noGrp="1"/>
+          </p:cNvSpPr>
+          <p:nvPr>
+            <p:ph type="ctrTitle"/>
+          </p:nvPr>
+        </p:nvSpPr>
+        <p:spPr/>
+        <p:txBody>
+          <a:bodyPr/>
+          <a:lstStyle/>
+          <a:p>
+            <a:r>
+              <a:rPr lang="ko-KR" altLang="en-US" dirty="0" smtClean="0"/>
+              <a:t>파워포인트제목</a:t>
+            </a:r>
+            <a:r>
+              <a:rPr lang="en-US" altLang="ko-KR" dirty="0" smtClean="0"/>
+              <a:t>	</a:t>
+            </a:r>
+            <a:endParaRPr lang="ko-KR" altLang="en-US" dirty="0"/>
+          </a:p>
+        </p:txBody>
+      </p:sp>
+      <p:sp>
+        <p:nvSpPr>
+          <p:cNvPr id="3" name="부제목 2"/>
+          <p:cNvSpPr>
+            <a:spLocks noGrp="1"/>
+          </p:cNvSpPr>
+          <p:nvPr>
+            <p:ph type="subTitle" idx="1"/>
+          </p:nvPr>
+        </p:nvSpPr>
+        <p:spPr/>
+        <p:txBody>
+          <a:bodyPr/>
+          <a:lstStyle/>
+          <a:p>
+            <a:r>
+              <a:rPr lang="en-US" altLang="ko-KR" dirty="0" smtClean="0"/>
+              <a:t>12/29 </a:t>
+            </a:r>
+            <a:r>
+              <a:rPr lang="ko-KR" altLang="en-US" dirty="0" smtClean="0"/>
+              <a:t>아무</a:t>
+            </a:r>
+            <a:r>
+              <a:rPr lang="ko-KR" altLang="en-US" dirty="0"/>
+              <a:t>개</a:t>
+            </a:r>
+          </a:p>
+        </p:txBody>
+      </p:sp>
+    </p:spTree>
+    <p:extLst>
+      <p:ext uri="{BB962C8B-B14F-4D97-AF65-F5344CB8AC3E}">
+        <p14:creationId xmlns:p14="http://schemas.microsoft.com/office/powerpoint/2010/main" val="2988830521"/>
+      </p:ext>
+    </p:extLst>
+  </p:cSld>
+  <p:clrMapOvr>
+    <a:masterClrMapping/>
+  </p:clrMapOvr>
+</p:sld>
+</file>
+
+<file path=ppt/slides/slide32.xml><?xml version="1.0" encoding="utf-8"?>
+<p:sld xmlns:a="http://schemas.openxmlformats.org/drawingml/2006/main" xmlns:r="http://schemas.openxmlformats.org/officeDocument/2006/relationships" xmlns:p="http://schemas.openxmlformats.org/presentationml/2006/main">
+  <p:cSld>
+    <p:spTree>
+      <p:nvGrpSpPr>
+        <p:cNvPr id="1" name=""/>
+        <p:cNvGrpSpPr/>
+        <p:nvPr/>
+      </p:nvGrpSpPr>
+      <p:grpSpPr>
+        <a:xfrm>
+          <a:off x="0" y="0"/>
+          <a:ext cx="0" cy="0"/>
+          <a:chOff x="0" y="0"/>
+          <a:chExt cx="0" cy="0"/>
+        </a:xfrm>
+      </p:grpSpPr>
+      <p:sp>
+        <p:nvSpPr>
+          <p:cNvPr id="2" name="제목 1"/>
+          <p:cNvSpPr>
+            <a:spLocks noGrp="1"/>
+          </p:cNvSpPr>
+          <p:nvPr>
+            <p:ph type="ctrTitle"/>
+          </p:nvPr>
+        </p:nvSpPr>
+        <p:spPr/>
+        <p:txBody>
+          <a:bodyPr/>
+          <a:lstStyle/>
+          <a:p>
+            <a:r>
+              <a:rPr lang="ko-KR" altLang="en-US" dirty="0" smtClean="0"/>
+              <a:t>파워포인트제목</a:t>
+            </a:r>
+            <a:r>
+              <a:rPr lang="en-US" altLang="ko-KR" dirty="0" smtClean="0"/>
+              <a:t>	</a:t>
+            </a:r>
+            <a:endParaRPr lang="ko-KR" altLang="en-US" dirty="0"/>
+          </a:p>
+        </p:txBody>
+      </p:sp>
+      <p:sp>
+        <p:nvSpPr>
+          <p:cNvPr id="3" name="부제목 2"/>
+          <p:cNvSpPr>
+            <a:spLocks noGrp="1"/>
+          </p:cNvSpPr>
+          <p:nvPr>
+            <p:ph type="subTitle" idx="1"/>
+          </p:nvPr>
+        </p:nvSpPr>
+        <p:spPr/>
+        <p:txBody>
+          <a:bodyPr/>
+          <a:lstStyle/>
+          <a:p>
+            <a:r>
+              <a:rPr lang="en-US" altLang="ko-KR" dirty="0" smtClean="0"/>
+              <a:t>12/29 </a:t>
+            </a:r>
+            <a:r>
+              <a:rPr lang="ko-KR" altLang="en-US" dirty="0" smtClean="0"/>
+              <a:t>아무</a:t>
+            </a:r>
+            <a:r>
+              <a:rPr lang="ko-KR" altLang="en-US" dirty="0"/>
+              <a:t>개</a:t>
+            </a:r>
+          </a:p>
+        </p:txBody>
+      </p:sp>
+    </p:spTree>
+    <p:extLst>
+      <p:ext uri="{BB962C8B-B14F-4D97-AF65-F5344CB8AC3E}">
+        <p14:creationId xmlns:p14="http://schemas.microsoft.com/office/powerpoint/2010/main" val="2988830521"/>
+      </p:ext>
+    </p:extLst>
+  </p:cSld>
+  <p:clrMapOvr>
+    <a:masterClrMapping/>
+  </p:clrMapOvr>
+</p:sld>
+</file>
+
+<file path=ppt/slides/slide33.xml><?xml version="1.0" encoding="utf-8"?>
+<p:sld xmlns:a="http://schemas.openxmlformats.org/drawingml/2006/main" xmlns:r="http://schemas.openxmlformats.org/officeDocument/2006/relationships" xmlns:p="http://schemas.openxmlformats.org/presentationml/2006/main">
+  <p:cSld>
+    <p:spTree>
+      <p:nvGrpSpPr>
+        <p:cNvPr id="1" name=""/>
+        <p:cNvGrpSpPr/>
+        <p:nvPr/>
+      </p:nvGrpSpPr>
+      <p:grpSpPr>
+        <a:xfrm>
+          <a:off x="0" y="0"/>
+          <a:ext cx="0" cy="0"/>
+          <a:chOff x="0" y="0"/>
+          <a:chExt cx="0" cy="0"/>
+        </a:xfrm>
+      </p:grpSpPr>
+      <p:sp>
+        <p:nvSpPr>
+          <p:cNvPr id="2" name="제목 1"/>
+          <p:cNvSpPr>
+            <a:spLocks noGrp="1"/>
+          </p:cNvSpPr>
+          <p:nvPr>
+            <p:ph type="ctrTitle"/>
+          </p:nvPr>
+        </p:nvSpPr>
+        <p:spPr/>
+        <p:txBody>
+          <a:bodyPr/>
+          <a:lstStyle/>
+          <a:p>
+            <a:r>
+              <a:rPr lang="ko-KR" altLang="en-US" dirty="0" smtClean="0"/>
+              <a:t>파워포인트제목</a:t>
+            </a:r>
+            <a:r>
+              <a:rPr lang="en-US" altLang="ko-KR" dirty="0" smtClean="0"/>
+              <a:t>	</a:t>
+            </a:r>
+            <a:endParaRPr lang="ko-KR" altLang="en-US" dirty="0"/>
+          </a:p>
+        </p:txBody>
+      </p:sp>
+      <p:sp>
+        <p:nvSpPr>
+          <p:cNvPr id="3" name="부제목 2"/>
+          <p:cNvSpPr>
+            <a:spLocks noGrp="1"/>
+          </p:cNvSpPr>
+          <p:nvPr>
+            <p:ph type="subTitle" idx="1"/>
+          </p:nvPr>
+        </p:nvSpPr>
+        <p:spPr/>
+        <p:txBody>
+          <a:bodyPr/>
+          <a:lstStyle/>
+          <a:p>
+            <a:r>
+              <a:rPr lang="en-US" altLang="ko-KR" dirty="0" smtClean="0"/>
+              <a:t>12/29 </a:t>
+            </a:r>
+            <a:r>
+              <a:rPr lang="ko-KR" altLang="en-US" dirty="0" smtClean="0"/>
+              <a:t>아무</a:t>
+            </a:r>
+            <a:r>
+              <a:rPr lang="ko-KR" altLang="en-US" dirty="0"/>
+              <a:t>개</a:t>
+            </a:r>
+          </a:p>
+        </p:txBody>
+      </p:sp>
+    </p:spTree>
+    <p:extLst>
+      <p:ext uri="{BB962C8B-B14F-4D97-AF65-F5344CB8AC3E}">
+        <p14:creationId xmlns:p14="http://schemas.microsoft.com/office/powerpoint/2010/main" val="2988830521"/>
+      </p:ext>
+    </p:extLst>
+  </p:cSld>
+  <p:clrMapOvr>
+    <a:masterClrMapping/>
+  </p:clrMapOvr>
+</p:sld>
+</file>
+
+<file path=ppt/slides/slide34.xml><?xml version="1.0" encoding="utf-8"?>
+<p:sld xmlns:a="http://schemas.openxmlformats.org/drawingml/2006/main" xmlns:r="http://schemas.openxmlformats.org/officeDocument/2006/relationships" xmlns:p="http://schemas.openxmlformats.org/presentationml/2006/main">
+  <p:cSld>
+    <p:spTree>
+      <p:nvGrpSpPr>
+        <p:cNvPr id="1" name=""/>
+        <p:cNvGrpSpPr/>
+        <p:nvPr/>
+      </p:nvGrpSpPr>
+      <p:grpSpPr>
+        <a:xfrm>
+          <a:off x="0" y="0"/>
+          <a:ext cx="0" cy="0"/>
+          <a:chOff x="0" y="0"/>
+          <a:chExt cx="0" cy="0"/>
+        </a:xfrm>
+      </p:grpSpPr>
+      <p:sp>
+        <p:nvSpPr>
+          <p:cNvPr id="2" name="제목 1"/>
+          <p:cNvSpPr>
+            <a:spLocks noGrp="1"/>
+          </p:cNvSpPr>
+          <p:nvPr>
+            <p:ph type="ctrTitle"/>
+          </p:nvPr>
+        </p:nvSpPr>
+        <p:spPr/>
+        <p:txBody>
+          <a:bodyPr/>
+          <a:lstStyle/>
+          <a:p>
+            <a:r>
+              <a:rPr lang="ko-KR" altLang="en-US" dirty="0" smtClean="0"/>
+              <a:t>파워포인트제목</a:t>
+            </a:r>
+            <a:r>
+              <a:rPr lang="en-US" altLang="ko-KR" dirty="0" smtClean="0"/>
+              <a:t>	</a:t>
+            </a:r>
+            <a:endParaRPr lang="ko-KR" altLang="en-US" dirty="0"/>
+          </a:p>
+        </p:txBody>
+      </p:sp>
+      <p:sp>
+        <p:nvSpPr>
+          <p:cNvPr id="3" name="부제목 2"/>
+          <p:cNvSpPr>
+            <a:spLocks noGrp="1"/>
+          </p:cNvSpPr>
+          <p:nvPr>
+            <p:ph type="subTitle" idx="1"/>
+          </p:nvPr>
+        </p:nvSpPr>
+        <p:spPr/>
+        <p:txBody>
+          <a:bodyPr/>
+          <a:lstStyle/>
+          <a:p>
+            <a:r>
+              <a:rPr lang="en-US" altLang="ko-KR" dirty="0" smtClean="0"/>
+              <a:t>12/29 </a:t>
+            </a:r>
+            <a:r>
+              <a:rPr lang="ko-KR" altLang="en-US" dirty="0" smtClean="0"/>
+              <a:t>아무</a:t>
+            </a:r>
+            <a:r>
+              <a:rPr lang="ko-KR" altLang="en-US" dirty="0"/>
+              <a:t>개</a:t>
+            </a:r>
+          </a:p>
+        </p:txBody>
+      </p:sp>
+    </p:spTree>
+    <p:extLst>
+      <p:ext uri="{BB962C8B-B14F-4D97-AF65-F5344CB8AC3E}">
+        <p14:creationId xmlns:p14="http://schemas.microsoft.com/office/powerpoint/2010/main" val="2988830521"/>
+      </p:ext>
+    </p:extLst>
+  </p:cSld>
+  <p:clrMapOvr>
+    <a:masterClrMapping/>
+  </p:clrMapOvr>
+</p:sld>
+</file>
+
+<file path=ppt/slides/slide35.xml><?xml version="1.0" encoding="utf-8"?>
+<p:sld xmlns:a="http://schemas.openxmlformats.org/drawingml/2006/main" xmlns:r="http://schemas.openxmlformats.org/officeDocument/2006/relationships" xmlns:p="http://schemas.openxmlformats.org/presentationml/2006/main">
+  <p:cSld>
+    <p:spTree>
+      <p:nvGrpSpPr>
+        <p:cNvPr id="1" name=""/>
+        <p:cNvGrpSpPr/>
+        <p:nvPr/>
+      </p:nvGrpSpPr>
+      <p:grpSpPr>
+        <a:xfrm>
+          <a:off x="0" y="0"/>
+          <a:ext cx="0" cy="0"/>
+          <a:chOff x="0" y="0"/>
+          <a:chExt cx="0" cy="0"/>
+        </a:xfrm>
+      </p:grpSpPr>
+      <p:sp>
+        <p:nvSpPr>
+          <p:cNvPr id="2" name="제목 1"/>
+          <p:cNvSpPr>
+            <a:spLocks noGrp="1"/>
+          </p:cNvSpPr>
+          <p:nvPr>
+            <p:ph type="ctrTitle"/>
+          </p:nvPr>
+        </p:nvSpPr>
+        <p:spPr/>
+        <p:txBody>
+          <a:bodyPr/>
+          <a:lstStyle/>
+          <a:p>
+            <a:r>
+              <a:rPr lang="ko-KR" altLang="en-US" dirty="0" smtClean="0"/>
+              <a:t>파워포인트제목</a:t>
+            </a:r>
+            <a:r>
+              <a:rPr lang="en-US" altLang="ko-KR" dirty="0" smtClean="0"/>
+              <a:t>	</a:t>
+            </a:r>
+            <a:endParaRPr lang="ko-KR" altLang="en-US" dirty="0"/>
+          </a:p>
+        </p:txBody>
+      </p:sp>
+      <p:sp>
+        <p:nvSpPr>
+          <p:cNvPr id="3" name="부제목 2"/>
+          <p:cNvSpPr>
+            <a:spLocks noGrp="1"/>
+          </p:cNvSpPr>
+          <p:nvPr>
+            <p:ph type="subTitle" idx="1"/>
+          </p:nvPr>
+        </p:nvSpPr>
+        <p:spPr/>
+        <p:txBody>
+          <a:bodyPr/>
+          <a:lstStyle/>
+          <a:p>
+            <a:r>
+              <a:rPr lang="en-US" altLang="ko-KR" dirty="0" smtClean="0"/>
+              <a:t>12/29 </a:t>
+            </a:r>
+            <a:r>
+              <a:rPr lang="ko-KR" altLang="en-US" dirty="0" smtClean="0"/>
+              <a:t>아무</a:t>
+            </a:r>
+            <a:r>
+              <a:rPr lang="ko-KR" altLang="en-US" dirty="0"/>
+              <a:t>개</a:t>
+            </a:r>
+          </a:p>
+        </p:txBody>
+      </p:sp>
+    </p:spTree>
+    <p:extLst>
+      <p:ext uri="{BB962C8B-B14F-4D97-AF65-F5344CB8AC3E}">
+        <p14:creationId xmlns:p14="http://schemas.microsoft.com/office/powerpoint/2010/main" val="2988830521"/>
+      </p:ext>
+    </p:extLst>
+  </p:cSld>
+  <p:clrMapOvr>
+    <a:masterClrMapping/>
+  </p:clrMapOvr>
+</p:sld>
+</file>
+
+<file path=ppt/slides/slide36.xml><?xml version="1.0" encoding="utf-8"?>
+<p:sld xmlns:a="http://schemas.openxmlformats.org/drawingml/2006/main" xmlns:r="http://schemas.openxmlformats.org/officeDocument/2006/relationships" xmlns:p="http://schemas.openxmlformats.org/presentationml/2006/main">
+  <p:cSld>
+    <p:spTree>
+      <p:nvGrpSpPr>
+        <p:cNvPr id="1" name=""/>
+        <p:cNvGrpSpPr/>
+        <p:nvPr/>
+      </p:nvGrpSpPr>
+      <p:grpSpPr>
+        <a:xfrm>
+          <a:off x="0" y="0"/>
+          <a:ext cx="0" cy="0"/>
+          <a:chOff x="0" y="0"/>
+          <a:chExt cx="0" cy="0"/>
+        </a:xfrm>
+      </p:grpSpPr>
+      <p:sp>
+        <p:nvSpPr>
+          <p:cNvPr id="2" name="제목 1"/>
+          <p:cNvSpPr>
+            <a:spLocks noGrp="1"/>
+          </p:cNvSpPr>
+          <p:nvPr>
+            <p:ph type="ctrTitle"/>
+          </p:nvPr>
+        </p:nvSpPr>
+        <p:spPr/>
+        <p:txBody>
+          <a:bodyPr/>
+          <a:lstStyle/>
+          <a:p>
+            <a:r>
+              <a:rPr lang="ko-KR" altLang="en-US" dirty="0" smtClean="0"/>
+              <a:t>파워포인트제목</a:t>
+            </a:r>
+            <a:r>
+              <a:rPr lang="en-US" altLang="ko-KR" dirty="0" smtClean="0"/>
+              <a:t>	</a:t>
+            </a:r>
+            <a:endParaRPr lang="ko-KR" altLang="en-US" dirty="0"/>
+          </a:p>
+        </p:txBody>
+      </p:sp>
+      <p:sp>
+        <p:nvSpPr>
+          <p:cNvPr id="3" name="부제목 2"/>
+          <p:cNvSpPr>
+            <a:spLocks noGrp="1"/>
+          </p:cNvSpPr>
+          <p:nvPr>
+            <p:ph type="subTitle" idx="1"/>
+          </p:nvPr>
+        </p:nvSpPr>
+        <p:spPr/>
+        <p:txBody>
+          <a:bodyPr/>
+          <a:lstStyle/>
+          <a:p>
+            <a:r>
+              <a:rPr lang="en-US" altLang="ko-KR" dirty="0" smtClean="0"/>
+              <a:t>12/29 </a:t>
+            </a:r>
+            <a:r>
+              <a:rPr lang="ko-KR" altLang="en-US" dirty="0" smtClean="0"/>
+              <a:t>아무</a:t>
+            </a:r>
+            <a:r>
+              <a:rPr lang="ko-KR" altLang="en-US" dirty="0"/>
+              <a:t>개</a:t>
+            </a:r>
+          </a:p>
+        </p:txBody>
+      </p:sp>
+    </p:spTree>
+    <p:extLst>
+      <p:ext uri="{BB962C8B-B14F-4D97-AF65-F5344CB8AC3E}">
+        <p14:creationId xmlns:p14="http://schemas.microsoft.com/office/powerpoint/2010/main" val="2988830521"/>
+      </p:ext>
+    </p:extLst>
+  </p:cSld>
+  <p:clrMapOvr>
+    <a:masterClrMapping/>
+  </p:clrMapOvr>
+</p:sld>
+</file>
+
+<file path=ppt/slides/slide37.xml><?xml version="1.0" encoding="utf-8"?>
+<p:sld xmlns:a="http://schemas.openxmlformats.org/drawingml/2006/main" xmlns:r="http://schemas.openxmlformats.org/officeDocument/2006/relationships" xmlns:p="http://schemas.openxmlformats.org/presentationml/2006/main">
+  <p:cSld>
+    <p:spTree>
+      <p:nvGrpSpPr>
+        <p:cNvPr id="1" name=""/>
+        <p:cNvGrpSpPr/>
+        <p:nvPr/>
+      </p:nvGrpSpPr>
+      <p:grpSpPr>
+        <a:xfrm>
+          <a:off x="0" y="0"/>
+          <a:ext cx="0" cy="0"/>
+          <a:chOff x="0" y="0"/>
+          <a:chExt cx="0" cy="0"/>
+        </a:xfrm>
+      </p:grpSpPr>
+      <p:sp>
+        <p:nvSpPr>
+          <p:cNvPr id="2" name="제목 1"/>
+          <p:cNvSpPr>
+            <a:spLocks noGrp="1"/>
+          </p:cNvSpPr>
+          <p:nvPr>
+            <p:ph type="ctrTitle"/>
+          </p:nvPr>
+        </p:nvSpPr>
+        <p:spPr/>
+        <p:txBody>
+          <a:bodyPr/>
+          <a:lstStyle/>
+          <a:p>
+            <a:r>
+              <a:rPr lang="ko-KR" altLang="en-US" dirty="0" smtClean="0"/>
+              <a:t>파워포인트제목</a:t>
+            </a:r>
+            <a:r>
+              <a:rPr lang="en-US" altLang="ko-KR" dirty="0" smtClean="0"/>
+              <a:t>	</a:t>
+            </a:r>
+            <a:endParaRPr lang="ko-KR" altLang="en-US" dirty="0"/>
+          </a:p>
+        </p:txBody>
+      </p:sp>
+      <p:sp>
+        <p:nvSpPr>
+          <p:cNvPr id="3" name="부제목 2"/>
+          <p:cNvSpPr>
+            <a:spLocks noGrp="1"/>
+          </p:cNvSpPr>
+          <p:nvPr>
+            <p:ph type="subTitle" idx="1"/>
+          </p:nvPr>
+        </p:nvSpPr>
+        <p:spPr/>
+        <p:txBody>
+          <a:bodyPr/>
+          <a:lstStyle/>
+          <a:p>
+            <a:r>
+              <a:rPr lang="en-US" altLang="ko-KR" dirty="0" smtClean="0"/>
+              <a:t>12/29 </a:t>
+            </a:r>
+            <a:r>
+              <a:rPr lang="ko-KR" altLang="en-US" dirty="0" smtClean="0"/>
+              <a:t>아무</a:t>
+            </a:r>
+            <a:r>
+              <a:rPr lang="ko-KR" altLang="en-US" dirty="0"/>
+              <a:t>개</a:t>
+            </a:r>
+          </a:p>
+        </p:txBody>
+      </p:sp>
+    </p:spTree>
+    <p:extLst>
+      <p:ext uri="{BB962C8B-B14F-4D97-AF65-F5344CB8AC3E}">
+        <p14:creationId xmlns:p14="http://schemas.microsoft.com/office/powerpoint/2010/main" val="2988830521"/>
+      </p:ext>
+    </p:extLst>
+  </p:cSld>
+  <p:clrMapOvr>
+    <a:masterClrMapping/>
+  </p:clrMapOvr>
+</p:sld>
+</file>
+
+<file path=ppt/slides/slide38.xml><?xml version="1.0" encoding="utf-8"?>
+<p:sld xmlns:a="http://schemas.openxmlformats.org/drawingml/2006/main" xmlns:r="http://schemas.openxmlformats.org/officeDocument/2006/relationships" xmlns:p="http://schemas.openxmlformats.org/presentationml/2006/main">
+  <p:cSld>
+    <p:spTree>
+      <p:nvGrpSpPr>
+        <p:cNvPr id="1" name=""/>
+        <p:cNvGrpSpPr/>
+        <p:nvPr/>
+      </p:nvGrpSpPr>
+      <p:grpSpPr>
+        <a:xfrm>
+          <a:off x="0" y="0"/>
+          <a:ext cx="0" cy="0"/>
+          <a:chOff x="0" y="0"/>
+          <a:chExt cx="0" cy="0"/>
+        </a:xfrm>
+      </p:grpSpPr>
+      <p:sp>
+        <p:nvSpPr>
+          <p:cNvPr id="2" name="제목 1"/>
+          <p:cNvSpPr>
+            <a:spLocks noGrp="1"/>
+          </p:cNvSpPr>
+          <p:nvPr>
+            <p:ph type="ctrTitle"/>
+          </p:nvPr>
+        </p:nvSpPr>
+        <p:spPr/>
+        <p:txBody>
+          <a:bodyPr/>
+          <a:lstStyle/>
+          <a:p>
+            <a:r>
+              <a:rPr lang="ko-KR" altLang="en-US" dirty="0" smtClean="0"/>
+              <a:t>파워포인트제목</a:t>
+            </a:r>
+            <a:r>
+              <a:rPr lang="en-US" altLang="ko-KR" dirty="0" smtClean="0"/>
+              <a:t>	</a:t>
+            </a:r>
+            <a:endParaRPr lang="ko-KR" altLang="en-US" dirty="0"/>
+          </a:p>
+        </p:txBody>
+      </p:sp>
+      <p:sp>
+        <p:nvSpPr>
+          <p:cNvPr id="3" name="부제목 2"/>
+          <p:cNvSpPr>
+            <a:spLocks noGrp="1"/>
+          </p:cNvSpPr>
+          <p:nvPr>
+            <p:ph type="subTitle" idx="1"/>
+          </p:nvPr>
+        </p:nvSpPr>
+        <p:spPr/>
+        <p:txBody>
+          <a:bodyPr/>
+          <a:lstStyle/>
+          <a:p>
+            <a:r>
+              <a:rPr lang="en-US" altLang="ko-KR" dirty="0" smtClean="0"/>
+              <a:t>12/29 </a:t>
+            </a:r>
+            <a:r>
+              <a:rPr lang="ko-KR" altLang="en-US" dirty="0" smtClean="0"/>
+              <a:t>아무</a:t>
+            </a:r>
+            <a:r>
+              <a:rPr lang="ko-KR" altLang="en-US" dirty="0"/>
+              <a:t>개</a:t>
+            </a:r>
+          </a:p>
+        </p:txBody>
+      </p:sp>
+    </p:spTree>
+    <p:extLst>
+      <p:ext uri="{BB962C8B-B14F-4D97-AF65-F5344CB8AC3E}">
+        <p14:creationId xmlns:p14="http://schemas.microsoft.com/office/powerpoint/2010/main" val="2988830521"/>
+      </p:ext>
+    </p:extLst>
+  </p:cSld>
+  <p:clrMapOvr>
+    <a:masterClrMapping/>
+  </p:clrMapOvr>
+</p:sld>
+</file>
+
+<file path=ppt/slides/slide39.xml><?xml version="1.0" encoding="utf-8"?>
+<p:sld xmlns:a="http://schemas.openxmlformats.org/drawingml/2006/main" xmlns:r="http://schemas.openxmlformats.org/officeDocument/2006/relationships" xmlns:p="http://schemas.openxmlformats.org/presentationml/2006/main">
+  <p:cSld>
+    <p:spTree>
+      <p:nvGrpSpPr>
+        <p:cNvPr id="1" name=""/>
+        <p:cNvGrpSpPr/>
+        <p:nvPr/>
+      </p:nvGrpSpPr>
+      <p:grpSpPr>
+        <a:xfrm>
+          <a:off x="0" y="0"/>
+          <a:ext cx="0" cy="0"/>
+          <a:chOff x="0" y="0"/>
+          <a:chExt cx="0" cy="0"/>
+        </a:xfrm>
+      </p:grpSpPr>
+      <p:sp>
+        <p:nvSpPr>
+          <p:cNvPr id="2" name="제목 1"/>
+          <p:cNvSpPr>
+            <a:spLocks noGrp="1"/>
+          </p:cNvSpPr>
+          <p:nvPr>
+            <p:ph type="ctrTitle"/>
+          </p:nvPr>
+        </p:nvSpPr>
+        <p:spPr/>
+        <p:txBody>
+          <a:bodyPr/>
+          <a:lstStyle/>
+          <a:p>
+            <a:r>
+              <a:rPr lang="ko-KR" altLang="en-US" dirty="0" smtClean="0"/>
+              <a:t>파워포인트제목</a:t>
+            </a:r>
+            <a:r>
+              <a:rPr lang="en-US" altLang="ko-KR" dirty="0" smtClean="0"/>
+              <a:t>	</a:t>
+            </a:r>
+            <a:endParaRPr lang="ko-KR" altLang="en-US" dirty="0"/>
+          </a:p>
+        </p:txBody>
+      </p:sp>
+      <p:sp>
+        <p:nvSpPr>
+          <p:cNvPr id="3" name="부제목 2"/>
+          <p:cNvSpPr>
+            <a:spLocks noGrp="1"/>
+          </p:cNvSpPr>
+          <p:nvPr>
+            <p:ph type="subTitle" idx="1"/>
+          </p:nvPr>
+        </p:nvSpPr>
+        <p:spPr/>
+        <p:txBody>
+          <a:bodyPr/>
+          <a:lstStyle/>
+          <a:p>
+            <a:r>
+              <a:rPr lang="en-US" altLang="ko-KR" dirty="0" smtClean="0"/>
+              <a:t>12/29 </a:t>
+            </a:r>
+            <a:r>
+              <a:rPr lang="ko-KR" altLang="en-US" dirty="0" smtClean="0"/>
+              <a:t>아무</a:t>
+            </a:r>
+            <a:r>
+              <a:rPr lang="ko-KR" altLang="en-US" dirty="0"/>
+              <a:t>개</a:t>
+            </a:r>
+          </a:p>
+        </p:txBody>
+      </p:sp>
+    </p:spTree>
+    <p:extLst>
+      <p:ext uri="{BB962C8B-B14F-4D97-AF65-F5344CB8AC3E}">
+        <p14:creationId xmlns:p14="http://schemas.microsoft.com/office/powerpoint/2010/main" val="2988830521"/>
+      </p:ext>
+    </p:extLst>
+  </p:cSld>
+  <p:clrMapOvr>
+    <a:masterClrMapping/>
+  </p:clrMapOvr>
+</p:sld>
+</file>
+
+<file path=ppt/slides/slide4.xml><?xml version="1.0" encoding="utf-8"?>
+<p:sld xmlns:a="http://schemas.openxmlformats.org/drawingml/2006/main" xmlns:r="http://schemas.openxmlformats.org/officeDocument/2006/relationships" xmlns:p="http://schemas.openxmlformats.org/presentationml/2006/main">
+  <p:cSld>
+    <p:spTree>
+      <p:nvGrpSpPr>
+        <p:cNvPr id="1" name=""/>
+        <p:cNvGrpSpPr/>
+        <p:nvPr/>
+      </p:nvGrpSpPr>
+      <p:grpSpPr>
+        <a:xfrm>
+          <a:off x="0" y="0"/>
+          <a:ext cx="0" cy="0"/>
+          <a:chOff x="0" y="0"/>
+          <a:chExt cx="0" cy="0"/>
+        </a:xfrm>
+      </p:grpSpPr>
+      <p:sp>
+        <p:nvSpPr>
+          <p:cNvPr id="2" name="제목 1"/>
+          <p:cNvSpPr>
+            <a:spLocks noGrp="1"/>
+          </p:cNvSpPr>
+          <p:nvPr>
+            <p:ph type="ctrTitle"/>
+          </p:nvPr>
+        </p:nvSpPr>
+        <p:spPr/>
+        <p:txBody>
+          <a:bodyPr/>
+          <a:lstStyle/>
+          <a:p>
+            <a:r>
+              <a:rPr lang="ko-KR" altLang="en-US" dirty="0" smtClean="0"/>
+              <a:t>파워포인트제목</a:t>
+            </a:r>
+            <a:r>
+              <a:rPr lang="en-US" altLang="ko-KR" dirty="0" smtClean="0"/>
+              <a:t>	</a:t>
+            </a:r>
+            <a:endParaRPr lang="ko-KR" altLang="en-US" dirty="0"/>
+          </a:p>
+        </p:txBody>
+      </p:sp>
+      <p:sp>
+        <p:nvSpPr>
+          <p:cNvPr id="3" name="부제목 2"/>
+          <p:cNvSpPr>
+            <a:spLocks noGrp="1"/>
+          </p:cNvSpPr>
+          <p:nvPr>
+            <p:ph type="subTitle" idx="1"/>
+          </p:nvPr>
+        </p:nvSpPr>
+        <p:spPr/>
+        <p:txBody>
+          <a:bodyPr/>
+          <a:lstStyle/>
+          <a:p>
+            <a:r>
+              <a:rPr lang="en-US" altLang="ko-KR" dirty="0" smtClean="0"/>
+              <a:t>12/29 </a:t>
+            </a:r>
+            <a:r>
+              <a:rPr lang="ko-KR" altLang="en-US" dirty="0" smtClean="0"/>
+              <a:t>아무</a:t>
+            </a:r>
+            <a:r>
+              <a:rPr lang="ko-KR" altLang="en-US" dirty="0"/>
+              <a:t>개</a:t>
+            </a:r>
+          </a:p>
+        </p:txBody>
+      </p:sp>
+    </p:spTree>
+    <p:extLst>
+      <p:ext uri="{BB962C8B-B14F-4D97-AF65-F5344CB8AC3E}">
+        <p14:creationId xmlns:p14="http://schemas.microsoft.com/office/powerpoint/2010/main" val="2988830521"/>
+      </p:ext>
+    </p:extLst>
+  </p:cSld>
+  <p:clrMapOvr>
+    <a:masterClrMapping/>
+  </p:clrMapOvr>
+</p:sld>
+</file>
+
+<file path=ppt/slides/slide40.xml><?xml version="1.0" encoding="utf-8"?>
+<p:sld xmlns:a="http://schemas.openxmlformats.org/drawingml/2006/main" xmlns:r="http://schemas.openxmlformats.org/officeDocument/2006/relationships" xmlns:p="http://schemas.openxmlformats.org/presentationml/2006/main">
+  <p:cSld>
+    <p:spTree>
+      <p:nvGrpSpPr>
+        <p:cNvPr id="1" name=""/>
+        <p:cNvGrpSpPr/>
+        <p:nvPr/>
+      </p:nvGrpSpPr>
+      <p:grpSpPr>
+        <a:xfrm>
+          <a:off x="0" y="0"/>
+          <a:ext cx="0" cy="0"/>
+          <a:chOff x="0" y="0"/>
+          <a:chExt cx="0" cy="0"/>
+        </a:xfrm>
+      </p:grpSpPr>
+      <p:sp>
+        <p:nvSpPr>
+          <p:cNvPr id="2" name="제목 1"/>
+          <p:cNvSpPr>
+            <a:spLocks noGrp="1"/>
+          </p:cNvSpPr>
+          <p:nvPr>
+            <p:ph type="ctrTitle"/>
+          </p:nvPr>
+        </p:nvSpPr>
+        <p:spPr/>
+        <p:txBody>
+          <a:bodyPr/>
+          <a:lstStyle/>
+          <a:p>
+            <a:r>
+              <a:rPr lang="ko-KR" altLang="en-US" dirty="0" smtClean="0"/>
+              <a:t>파워포인트제목</a:t>
+            </a:r>
+            <a:r>
+              <a:rPr lang="en-US" altLang="ko-KR" dirty="0" smtClean="0"/>
+              <a:t>	</a:t>
+            </a:r>
+            <a:endParaRPr lang="ko-KR" altLang="en-US" dirty="0"/>
+          </a:p>
+        </p:txBody>
+      </p:sp>
+      <p:sp>
+        <p:nvSpPr>
+          <p:cNvPr id="3" name="부제목 2"/>
+          <p:cNvSpPr>
+            <a:spLocks noGrp="1"/>
+          </p:cNvSpPr>
+          <p:nvPr>
+            <p:ph type="subTitle" idx="1"/>
+          </p:nvPr>
+        </p:nvSpPr>
+        <p:spPr/>
+        <p:txBody>
+          <a:bodyPr/>
+          <a:lstStyle/>
+          <a:p>
+            <a:r>
+              <a:rPr lang="en-US" altLang="ko-KR" dirty="0" smtClean="0"/>
+              <a:t>12/29 </a:t>
+            </a:r>
+            <a:r>
+              <a:rPr lang="ko-KR" altLang="en-US" dirty="0" smtClean="0"/>
+              <a:t>아무</a:t>
+            </a:r>
+            <a:r>
+              <a:rPr lang="ko-KR" altLang="en-US" dirty="0"/>
+              <a:t>개</a:t>
+            </a:r>
+          </a:p>
+        </p:txBody>
+      </p:sp>
+    </p:spTree>
+    <p:extLst>
+      <p:ext uri="{BB962C8B-B14F-4D97-AF65-F5344CB8AC3E}">
+        <p14:creationId xmlns:p14="http://schemas.microsoft.com/office/powerpoint/2010/main" val="2988830521"/>
+      </p:ext>
+    </p:extLst>
+  </p:cSld>
+  <p:clrMapOvr>
+    <a:masterClrMapping/>
+  </p:clrMapOvr>
+</p:sld>
+</file>
+
+<file path=ppt/slides/slide41.xml><?xml version="1.0" encoding="utf-8"?>
+<p:sld xmlns:a="http://schemas.openxmlformats.org/drawingml/2006/main" xmlns:r="http://schemas.openxmlformats.org/officeDocument/2006/relationships" xmlns:p="http://schemas.openxmlformats.org/presentationml/2006/main">
+  <p:cSld>
+    <p:spTree>
+      <p:nvGrpSpPr>
+        <p:cNvPr id="1" name=""/>
+        <p:cNvGrpSpPr/>
+        <p:nvPr/>
+      </p:nvGrpSpPr>
+      <p:grpSpPr>
+        <a:xfrm>
+          <a:off x="0" y="0"/>
+          <a:ext cx="0" cy="0"/>
+          <a:chOff x="0" y="0"/>
+          <a:chExt cx="0" cy="0"/>
+        </a:xfrm>
+      </p:grpSpPr>
+      <p:sp>
+        <p:nvSpPr>
+          <p:cNvPr id="2" name="제목 1"/>
+          <p:cNvSpPr>
+            <a:spLocks noGrp="1"/>
+          </p:cNvSpPr>
+          <p:nvPr>
+            <p:ph type="ctrTitle"/>
+          </p:nvPr>
+        </p:nvSpPr>
+        <p:spPr/>
+        <p:txBody>
+          <a:bodyPr/>
+          <a:lstStyle/>
+          <a:p>
+            <a:r>
+              <a:rPr lang="ko-KR" altLang="en-US" dirty="0" smtClean="0"/>
+              <a:t>파워포인트제목</a:t>
+            </a:r>
+            <a:r>
+              <a:rPr lang="en-US" altLang="ko-KR" dirty="0" smtClean="0"/>
+              <a:t>	</a:t>
+            </a:r>
+            <a:endParaRPr lang="ko-KR" altLang="en-US" dirty="0"/>
+          </a:p>
+        </p:txBody>
+      </p:sp>
+      <p:sp>
+        <p:nvSpPr>
+          <p:cNvPr id="3" name="부제목 2"/>
+          <p:cNvSpPr>
+            <a:spLocks noGrp="1"/>
+          </p:cNvSpPr>
+          <p:nvPr>
+            <p:ph type="subTitle" idx="1"/>
+          </p:nvPr>
+        </p:nvSpPr>
+        <p:spPr/>
+        <p:txBody>
+          <a:bodyPr/>
+          <a:lstStyle/>
+          <a:p>
+            <a:r>
+              <a:rPr lang="en-US" altLang="ko-KR" dirty="0" smtClean="0"/>
+              <a:t>12/29 </a:t>
+            </a:r>
+            <a:r>
+              <a:rPr lang="ko-KR" altLang="en-US" dirty="0" smtClean="0"/>
+              <a:t>아무</a:t>
+            </a:r>
+            <a:r>
+              <a:rPr lang="ko-KR" altLang="en-US" dirty="0"/>
+              <a:t>개</a:t>
+            </a:r>
+          </a:p>
+        </p:txBody>
+      </p:sp>
+    </p:spTree>
+    <p:extLst>
+      <p:ext uri="{BB962C8B-B14F-4D97-AF65-F5344CB8AC3E}">
+        <p14:creationId xmlns:p14="http://schemas.microsoft.com/office/powerpoint/2010/main" val="2988830521"/>
+      </p:ext>
+    </p:extLst>
+  </p:cSld>
+  <p:clrMapOvr>
+    <a:masterClrMapping/>
+  </p:clrMapOvr>
+</p:sld>
+</file>
+
+<file path=ppt/slides/slide42.xml><?xml version="1.0" encoding="utf-8"?>
+<p:sld xmlns:a="http://schemas.openxmlformats.org/drawingml/2006/main" xmlns:r="http://schemas.openxmlformats.org/officeDocument/2006/relationships" xmlns:p="http://schemas.openxmlformats.org/presentationml/2006/main">
+  <p:cSld>
+    <p:spTree>
+      <p:nvGrpSpPr>
+        <p:cNvPr id="1" name=""/>
+        <p:cNvGrpSpPr/>
+        <p:nvPr/>
+      </p:nvGrpSpPr>
+      <p:grpSpPr>
+        <a:xfrm>
+          <a:off x="0" y="0"/>
+          <a:ext cx="0" cy="0"/>
+          <a:chOff x="0" y="0"/>
+          <a:chExt cx="0" cy="0"/>
+        </a:xfrm>
+      </p:grpSpPr>
+      <p:sp>
+        <p:nvSpPr>
+          <p:cNvPr id="2" name="제목 1"/>
+          <p:cNvSpPr>
+            <a:spLocks noGrp="1"/>
+          </p:cNvSpPr>
+          <p:nvPr>
+            <p:ph type="ctrTitle"/>
+          </p:nvPr>
+        </p:nvSpPr>
+        <p:spPr/>
+        <p:txBody>
+          <a:bodyPr/>
+          <a:lstStyle/>
+          <a:p>
+            <a:r>
+              <a:rPr lang="ko-KR" altLang="en-US" dirty="0" smtClean="0"/>
+              <a:t>파워포인트제목</a:t>
+            </a:r>
+            <a:r>
+              <a:rPr lang="en-US" altLang="ko-KR" dirty="0" smtClean="0"/>
+              <a:t>	</a:t>
+            </a:r>
+            <a:endParaRPr lang="ko-KR" altLang="en-US" dirty="0"/>
+          </a:p>
+        </p:txBody>
+      </p:sp>
+      <p:sp>
+        <p:nvSpPr>
+          <p:cNvPr id="3" name="부제목 2"/>
+          <p:cNvSpPr>
+            <a:spLocks noGrp="1"/>
+          </p:cNvSpPr>
+          <p:nvPr>
+            <p:ph type="subTitle" idx="1"/>
+          </p:nvPr>
+        </p:nvSpPr>
+        <p:spPr/>
+        <p:txBody>
+          <a:bodyPr/>
+          <a:lstStyle/>
+          <a:p>
+            <a:r>
+              <a:rPr lang="en-US" altLang="ko-KR" dirty="0" smtClean="0"/>
+              <a:t>12/29 </a:t>
+            </a:r>
+            <a:r>
+              <a:rPr lang="ko-KR" altLang="en-US" dirty="0" smtClean="0"/>
+              <a:t>아무</a:t>
+            </a:r>
+            <a:r>
+              <a:rPr lang="ko-KR" altLang="en-US" dirty="0"/>
+              <a:t>개</a:t>
+            </a:r>
+          </a:p>
+        </p:txBody>
+      </p:sp>
+    </p:spTree>
+    <p:extLst>
+      <p:ext uri="{BB962C8B-B14F-4D97-AF65-F5344CB8AC3E}">
+        <p14:creationId xmlns:p14="http://schemas.microsoft.com/office/powerpoint/2010/main" val="2988830521"/>
+      </p:ext>
+    </p:extLst>
+  </p:cSld>
+  <p:clrMapOvr>
+    <a:masterClrMapping/>
+  </p:clrMapOvr>
+</p:sld>
+</file>
+
+<file path=ppt/slides/slide5.xml><?xml version="1.0" encoding="utf-8"?>
+<p:sld xmlns:a="http://schemas.openxmlformats.org/drawingml/2006/main" xmlns:r="http://schemas.openxmlformats.org/officeDocument/2006/relationships" xmlns:p="http://schemas.openxmlformats.org/presentationml/2006/main">
+  <p:cSld>
+    <p:spTree>
+      <p:nvGrpSpPr>
+        <p:cNvPr id="1" name=""/>
+        <p:cNvGrpSpPr/>
+        <p:nvPr/>
+      </p:nvGrpSpPr>
+      <p:grpSpPr>
+        <a:xfrm>
+          <a:off x="0" y="0"/>
+          <a:ext cx="0" cy="0"/>
+          <a:chOff x="0" y="0"/>
+          <a:chExt cx="0" cy="0"/>
+        </a:xfrm>
+      </p:grpSpPr>
+      <p:sp>
+        <p:nvSpPr>
+          <p:cNvPr id="2" name="제목 1"/>
+          <p:cNvSpPr>
+            <a:spLocks noGrp="1"/>
+          </p:cNvSpPr>
+          <p:nvPr>
+            <p:ph type="ctrTitle"/>
+          </p:nvPr>
+        </p:nvSpPr>
+        <p:spPr/>
+        <p:txBody>
+          <a:bodyPr/>
+          <a:lstStyle/>
+          <a:p>
+            <a:r>
+              <a:rPr lang="ko-KR" altLang="en-US" dirty="0" smtClean="0"/>
+              <a:t>파워포인트제목</a:t>
+            </a:r>
+            <a:r>
+              <a:rPr lang="en-US" altLang="ko-KR" dirty="0" smtClean="0"/>
+              <a:t>	</a:t>
+            </a:r>
+            <a:endParaRPr lang="ko-KR" altLang="en-US" dirty="0"/>
+          </a:p>
+        </p:txBody>
+      </p:sp>
+      <p:sp>
+        <p:nvSpPr>
+          <p:cNvPr id="3" name="부제목 2"/>
+          <p:cNvSpPr>
+            <a:spLocks noGrp="1"/>
+          </p:cNvSpPr>
+          <p:nvPr>
+            <p:ph type="subTitle" idx="1"/>
+          </p:nvPr>
+        </p:nvSpPr>
+        <p:spPr/>
+        <p:txBody>
+          <a:bodyPr/>
+          <a:lstStyle/>
+          <a:p>
+            <a:r>
+              <a:rPr lang="en-US" altLang="ko-KR" dirty="0" smtClean="0"/>
+              <a:t>12/29 </a:t>
+            </a:r>
+            <a:r>
+              <a:rPr lang="ko-KR" altLang="en-US" dirty="0" smtClean="0"/>
+              <a:t>아무</a:t>
+            </a:r>
+            <a:r>
+              <a:rPr lang="ko-KR" altLang="en-US" dirty="0"/>
+              <a:t>개</a:t>
+            </a:r>
+          </a:p>
+        </p:txBody>
+      </p:sp>
+    </p:spTree>
+    <p:extLst>
+      <p:ext uri="{BB962C8B-B14F-4D97-AF65-F5344CB8AC3E}">
+        <p14:creationId xmlns:p14="http://schemas.microsoft.com/office/powerpoint/2010/main" val="2988830521"/>
+      </p:ext>
+    </p:extLst>
+  </p:cSld>
+  <p:clrMapOvr>
+    <a:masterClrMapping/>
+  </p:clrMapOvr>
+</p:sld>
+</file>
+
+<file path=ppt/slides/slide6.xml><?xml version="1.0" encoding="utf-8"?>
+<p:sld xmlns:a="http://schemas.openxmlformats.org/drawingml/2006/main" xmlns:r="http://schemas.openxmlformats.org/officeDocument/2006/relationships" xmlns:p="http://schemas.openxmlformats.org/presentationml/2006/main">
+  <p:cSld>
+    <p:spTree>
+      <p:nvGrpSpPr>
+        <p:cNvPr id="1" name=""/>
+        <p:cNvGrpSpPr/>
+        <p:nvPr/>
+      </p:nvGrpSpPr>
+      <p:grpSpPr>
+        <a:xfrm>
+          <a:off x="0" y="0"/>
+          <a:ext cx="0" cy="0"/>
+          <a:chOff x="0" y="0"/>
+          <a:chExt cx="0" cy="0"/>
+        </a:xfrm>
+      </p:grpSpPr>
+      <p:sp>
+        <p:nvSpPr>
+          <p:cNvPr id="2" name="제목 1"/>
+          <p:cNvSpPr>
+            <a:spLocks noGrp="1"/>
+          </p:cNvSpPr>
+          <p:nvPr>
+            <p:ph type="ctrTitle"/>
+          </p:nvPr>
+        </p:nvSpPr>
+        <p:spPr/>
+        <p:txBody>
+          <a:bodyPr/>
+          <a:lstStyle/>
+          <a:p>
+            <a:r>
+              <a:rPr lang="ko-KR" altLang="en-US" dirty="0" smtClean="0"/>
+              <a:t>파워포인트제목</a:t>
+            </a:r>
+            <a:r>
+              <a:rPr lang="en-US" altLang="ko-KR" dirty="0" smtClean="0"/>
+              <a:t>	</a:t>
+            </a:r>
+            <a:endParaRPr lang="ko-KR" altLang="en-US" dirty="0"/>
+          </a:p>
+        </p:txBody>
+      </p:sp>
+      <p:sp>
+        <p:nvSpPr>
+          <p:cNvPr id="3" name="부제목 2"/>
+          <p:cNvSpPr>
+            <a:spLocks noGrp="1"/>
+          </p:cNvSpPr>
+          <p:nvPr>
+            <p:ph type="subTitle" idx="1"/>
+          </p:nvPr>
+        </p:nvSpPr>
+        <p:spPr/>
+        <p:txBody>
+          <a:bodyPr/>
+          <a:lstStyle/>
+          <a:p>
+            <a:r>
+              <a:rPr lang="en-US" altLang="ko-KR" dirty="0" smtClean="0"/>
+              <a:t>12/29 </a:t>
+            </a:r>
+            <a:r>
+              <a:rPr lang="ko-KR" altLang="en-US" dirty="0" smtClean="0"/>
+              <a:t>아무</a:t>
+            </a:r>
+            <a:r>
+              <a:rPr lang="ko-KR" altLang="en-US" dirty="0"/>
+              <a:t>개</a:t>
+            </a:r>
+          </a:p>
+        </p:txBody>
+      </p:sp>
+    </p:spTree>
+    <p:extLst>
+      <p:ext uri="{BB962C8B-B14F-4D97-AF65-F5344CB8AC3E}">
+        <p14:creationId xmlns:p14="http://schemas.microsoft.com/office/powerpoint/2010/main" val="2988830521"/>
+      </p:ext>
+    </p:extLst>
+  </p:cSld>
+  <p:clrMapOvr>
+    <a:masterClrMapping/>
+  </p:clrMapOvr>
+</p:sld>
+</file>
+
+<file path=ppt/slides/slide7.xml><?xml version="1.0" encoding="utf-8"?>
+<p:sld xmlns:a="http://schemas.openxmlformats.org/drawingml/2006/main" xmlns:r="http://schemas.openxmlformats.org/officeDocument/2006/relationships" xmlns:p="http://schemas.openxmlformats.org/presentationml/2006/main">
+  <p:cSld>
+    <p:spTree>
+      <p:nvGrpSpPr>
+        <p:cNvPr id="1" name=""/>
+        <p:cNvGrpSpPr/>
+        <p:nvPr/>
+      </p:nvGrpSpPr>
+      <p:grpSpPr>
+        <a:xfrm>
+          <a:off x="0" y="0"/>
+          <a:ext cx="0" cy="0"/>
+          <a:chOff x="0" y="0"/>
+          <a:chExt cx="0" cy="0"/>
+        </a:xfrm>
+      </p:grpSpPr>
+      <p:sp>
+        <p:nvSpPr>
+          <p:cNvPr id="2" name="제목 1"/>
+          <p:cNvSpPr>
+            <a:spLocks noGrp="1"/>
+          </p:cNvSpPr>
+          <p:nvPr>
+            <p:ph type="ctrTitle"/>
+          </p:nvPr>
+        </p:nvSpPr>
+        <p:spPr/>
+        <p:txBody>
+          <a:bodyPr/>
+          <a:lstStyle/>
+          <a:p>
+            <a:r>
+              <a:rPr lang="ko-KR" altLang="en-US" dirty="0" smtClean="0"/>
+              <a:t>파워포인트제목</a:t>
+            </a:r>
+            <a:r>
+              <a:rPr lang="en-US" altLang="ko-KR" dirty="0" smtClean="0"/>
+              <a:t>	</a:t>
+            </a:r>
+            <a:endParaRPr lang="ko-KR" altLang="en-US" dirty="0"/>
+          </a:p>
+        </p:txBody>
+      </p:sp>
+      <p:sp>
+        <p:nvSpPr>
+          <p:cNvPr id="3" name="부제목 2"/>
+          <p:cNvSpPr>
+            <a:spLocks noGrp="1"/>
+          </p:cNvSpPr>
+          <p:nvPr>
+            <p:ph type="subTitle" idx="1"/>
+          </p:nvPr>
+        </p:nvSpPr>
+        <p:spPr/>
+        <p:txBody>
+          <a:bodyPr/>
+          <a:lstStyle/>
+          <a:p>
+            <a:r>
+              <a:rPr lang="en-US" altLang="ko-KR" dirty="0" smtClean="0"/>
+              <a:t>12/29 </a:t>
+            </a:r>
+            <a:r>
+              <a:rPr lang="ko-KR" altLang="en-US" dirty="0" smtClean="0"/>
+              <a:t>아무</a:t>
+            </a:r>
+            <a:r>
+              <a:rPr lang="ko-KR" altLang="en-US" dirty="0"/>
+              <a:t>개</a:t>
+            </a:r>
+          </a:p>
+        </p:txBody>
+      </p:sp>
+    </p:spTree>
+    <p:extLst>
+      <p:ext uri="{BB962C8B-B14F-4D97-AF65-F5344CB8AC3E}">
+        <p14:creationId xmlns:p14="http://schemas.microsoft.com/office/powerpoint/2010/main" val="2988830521"/>
+      </p:ext>
+    </p:extLst>
+  </p:cSld>
+  <p:clrMapOvr>
+    <a:masterClrMapping/>
+  </p:clrMapOvr>
+</p:sld>
+</file>
+
+<file path=ppt/slides/slide8.xml><?xml version="1.0" encoding="utf-8"?>
+<p:sld xmlns:a="http://schemas.openxmlformats.org/drawingml/2006/main" xmlns:r="http://schemas.openxmlformats.org/officeDocument/2006/relationships" xmlns:p="http://schemas.openxmlformats.org/presentationml/2006/main">
+  <p:cSld>
+    <p:spTree>
+      <p:nvGrpSpPr>
+        <p:cNvPr id="1" name=""/>
+        <p:cNvGrpSpPr/>
+        <p:nvPr/>
+      </p:nvGrpSpPr>
+      <p:grpSpPr>
+        <a:xfrm>
+          <a:off x="0" y="0"/>
+          <a:ext cx="0" cy="0"/>
+          <a:chOff x="0" y="0"/>
+          <a:chExt cx="0" cy="0"/>
+        </a:xfrm>
+      </p:grpSpPr>
+      <p:sp>
+        <p:nvSpPr>
+          <p:cNvPr id="2" name="제목 1"/>
+          <p:cNvSpPr>
+            <a:spLocks noGrp="1"/>
+          </p:cNvSpPr>
+          <p:nvPr>
+            <p:ph type="ctrTitle"/>
+          </p:nvPr>
+        </p:nvSpPr>
+        <p:spPr/>
+        <p:txBody>
+          <a:bodyPr/>
+          <a:lstStyle/>
+          <a:p>
+            <a:r>
+              <a:rPr lang="ko-KR" altLang="en-US" dirty="0" smtClean="0"/>
+              <a:t>파워포인트제목</a:t>
+            </a:r>
+            <a:r>
+              <a:rPr lang="en-US" altLang="ko-KR" dirty="0" smtClean="0"/>
+              <a:t>	</a:t>
+            </a:r>
+            <a:endParaRPr lang="ko-KR" altLang="en-US" dirty="0"/>
+          </a:p>
+        </p:txBody>
+      </p:sp>
+      <p:sp>
+        <p:nvSpPr>
+          <p:cNvPr id="3" name="부제목 2"/>
+          <p:cNvSpPr>
+            <a:spLocks noGrp="1"/>
+          </p:cNvSpPr>
+          <p:nvPr>
+            <p:ph type="subTitle" idx="1"/>
+          </p:nvPr>
+        </p:nvSpPr>
+        <p:spPr/>
+        <p:txBody>
+          <a:bodyPr/>
+          <a:lstStyle/>
+          <a:p>
+            <a:r>
+              <a:rPr lang="en-US" altLang="ko-KR" dirty="0" smtClean="0"/>
+              <a:t>12/29 </a:t>
+            </a:r>
+            <a:r>
+              <a:rPr lang="ko-KR" altLang="en-US" dirty="0" smtClean="0"/>
+              <a:t>아무</a:t>
+            </a:r>
+            <a:r>
+              <a:rPr lang="ko-KR" altLang="en-US" dirty="0"/>
+              <a:t>개</a:t>
+            </a:r>
+          </a:p>
+        </p:txBody>
+      </p:sp>
+    </p:spTree>
+    <p:extLst>
+      <p:ext uri="{BB962C8B-B14F-4D97-AF65-F5344CB8AC3E}">
+        <p14:creationId xmlns:p14="http://schemas.microsoft.com/office/powerpoint/2010/main" val="2988830521"/>
+      </p:ext>
+    </p:extLst>
+  </p:cSld>
+  <p:clrMapOvr>
+    <a:masterClrMapping/>
+  </p:clrMapOvr>
+</p:sld>
+</file>
+
+<file path=ppt/slides/slide9.xml><?xml version="1.0" encoding="utf-8"?>
+<p:sld xmlns:a="http://schemas.openxmlformats.org/drawingml/2006/main" xmlns:r="http://schemas.openxmlformats.org/officeDocument/2006/relationships" xmlns:p="http://schemas.openxmlformats.org/presentationml/2006/main">
+  <p:cSld>
+    <p:spTree>
+      <p:nvGrpSpPr>
+        <p:cNvPr id="1" name=""/>
+        <p:cNvGrpSpPr/>
+        <p:nvPr/>
+      </p:nvGrpSpPr>
+      <p:grpSpPr>
+        <a:xfrm>
+          <a:off x="0" y="0"/>
+          <a:ext cx="0" cy="0"/>
+          <a:chOff x="0" y="0"/>
+          <a:chExt cx="0" cy="0"/>
+        </a:xfrm>
+      </p:grpSpPr>
+      <p:sp>
+        <p:nvSpPr>
+          <p:cNvPr id="2" name="제목 1"/>
+          <p:cNvSpPr>
+            <a:spLocks noGrp="1"/>
+          </p:cNvSpPr>
+          <p:nvPr>
+            <p:ph type="ctrTitle"/>
+          </p:nvPr>
+        </p:nvSpPr>
+        <p:spPr/>
+        <p:txBody>
+          <a:bodyPr/>
+          <a:lstStyle/>
+          <a:p>
+            <a:r>
+              <a:rPr lang="ko-KR" altLang="en-US" dirty="0" smtClean="0"/>
+              <a:t>파워포인트제목</a:t>
+            </a:r>
+            <a:r>
+              <a:rPr lang="en-US" altLang="ko-KR" dirty="0" smtClean="0"/>
+              <a:t>	</a:t>
+            </a:r>
+            <a:endParaRPr lang="ko-KR" altLang="en-US" dirty="0"/>
+          </a:p>
+        </p:txBody>
+      </p:sp>
+      <p:sp>
+        <p:nvSpPr>
+          <p:cNvPr id="3" name="부제목 2"/>
+          <p:cNvSpPr>
+            <a:spLocks noGrp="1"/>
+          </p:cNvSpPr>
+          <p:nvPr>
+            <p:ph type="subTitle" idx="1"/>
+          </p:nvPr>
+        </p:nvSpPr>
+        <p:spPr/>
+        <p:txBody>
+          <a:bodyPr/>
+          <a:lstStyle/>
+          <a:p>
+            <a:r>
+              <a:rPr lang="en-US" altLang="ko-KR" dirty="0" smtClean="0"/>
+              <a:t>12/29 </a:t>
+            </a:r>
+            <a:r>
+              <a:rPr lang="ko-KR" altLang="en-US" dirty="0" smtClean="0"/>
+              <a:t>아무</a:t>
+            </a:r>
+            <a:r>
+              <a:rPr lang="ko-KR" altLang="en-US" dirty="0"/>
+              <a:t>개</a:t>
+            </a:r>
+          </a:p>
+        </p:txBody>
+      </p:sp>
+    </p:spTree>
+    <p:extLst>
+      <p:ext uri="{BB962C8B-B14F-4D97-AF65-F5344CB8AC3E}">
+        <p14:creationId xmlns:p14="http://schemas.microsoft.com/office/powerpoint/2010/main" val="2988830521"/>
+      </p:ext>
+    </p:extLst>
+  </p:cSld>
+  <p:clrMapOvr>
+    <a:masterClrMapping/>
+  </p:clrMapOvr>
+</p:sld>
 </file>
 
 <file path=ppt/theme/theme1.xml><?xml version="1.0" encoding="utf-8"?>
